--- a/Homework 3/HomeWork 3 Presentazione.pptx
+++ b/Homework 3/HomeWork 3 Presentazione.pptx
@@ -4,6 +4,9 @@
   <p:sldMasterIdLst>
     <p:sldMasterId id="2147483648" r:id="rId1"/>
   </p:sldMasterIdLst>
+  <p:notesMasterIdLst>
+    <p:notesMasterId r:id="rId14"/>
+  </p:notesMasterIdLst>
   <p:sldIdLst>
     <p:sldId id="256" r:id="rId2"/>
     <p:sldId id="257" r:id="rId3"/>
@@ -115,7 +118,497 @@
       </a:defRPr>
     </a:lvl9pPr>
   </p:defaultTextStyle>
+  <p:extLst>
+    <p:ext uri="{EFAFB233-063F-42B5-8137-9DF3F51BA10A}">
+      <p15:sldGuideLst xmlns:p15="http://schemas.microsoft.com/office/powerpoint/2012/main">
+        <p15:guide id="1" orient="horz" pos="2160">
+          <p15:clr>
+            <a:srgbClr val="A4A3A4"/>
+          </p15:clr>
+        </p15:guide>
+        <p15:guide id="2" pos="2880">
+          <p15:clr>
+            <a:srgbClr val="A4A3A4"/>
+          </p15:clr>
+        </p15:guide>
+      </p15:sldGuideLst>
+    </p:ext>
+  </p:extLst>
 </p:presentation>
+</file>
+
+<file path=ppt/notesMasters/notesMaster1.xml><?xml version="1.0" encoding="utf-8"?>
+<p:notesMaster xmlns:a="http://schemas.openxmlformats.org/drawingml/2006/main" xmlns:r="http://schemas.openxmlformats.org/officeDocument/2006/relationships" xmlns:p="http://schemas.openxmlformats.org/presentationml/2006/main">
+  <p:cSld>
+    <p:bg>
+      <p:bgRef idx="1001">
+        <a:schemeClr val="bg1"/>
+      </p:bgRef>
+    </p:bg>
+    <p:spTree>
+      <p:nvGrpSpPr>
+        <p:cNvPr id="1" name=""/>
+        <p:cNvGrpSpPr/>
+        <p:nvPr/>
+      </p:nvGrpSpPr>
+      <p:grpSpPr>
+        <a:xfrm>
+          <a:off x="0" y="0"/>
+          <a:ext cx="0" cy="0"/>
+          <a:chOff x="0" y="0"/>
+          <a:chExt cx="0" cy="0"/>
+        </a:xfrm>
+      </p:grpSpPr>
+      <p:sp>
+        <p:nvSpPr>
+          <p:cNvPr id="2" name="Segnaposto intestazione 1"/>
+          <p:cNvSpPr>
+            <a:spLocks noGrp="1"/>
+          </p:cNvSpPr>
+          <p:nvPr>
+            <p:ph type="hdr" sz="quarter"/>
+          </p:nvPr>
+        </p:nvSpPr>
+        <p:spPr>
+          <a:xfrm>
+            <a:off x="0" y="0"/>
+            <a:ext cx="3078163" cy="512763"/>
+          </a:xfrm>
+          <a:prstGeom prst="rect">
+            <a:avLst/>
+          </a:prstGeom>
+        </p:spPr>
+        <p:txBody>
+          <a:bodyPr vert="horz" lIns="91440" tIns="45720" rIns="91440" bIns="45720" rtlCol="0"/>
+          <a:lstStyle>
+            <a:lvl1pPr algn="l">
+              <a:defRPr sz="1200"/>
+            </a:lvl1pPr>
+          </a:lstStyle>
+          <a:p>
+            <a:endParaRPr lang="it-IT"/>
+          </a:p>
+        </p:txBody>
+      </p:sp>
+      <p:sp>
+        <p:nvSpPr>
+          <p:cNvPr id="3" name="Segnaposto data 2"/>
+          <p:cNvSpPr>
+            <a:spLocks noGrp="1"/>
+          </p:cNvSpPr>
+          <p:nvPr>
+            <p:ph type="dt" idx="1"/>
+          </p:nvPr>
+        </p:nvSpPr>
+        <p:spPr>
+          <a:xfrm>
+            <a:off x="4024313" y="0"/>
+            <a:ext cx="3078162" cy="512763"/>
+          </a:xfrm>
+          <a:prstGeom prst="rect">
+            <a:avLst/>
+          </a:prstGeom>
+        </p:spPr>
+        <p:txBody>
+          <a:bodyPr vert="horz" lIns="91440" tIns="45720" rIns="91440" bIns="45720" rtlCol="0"/>
+          <a:lstStyle>
+            <a:lvl1pPr algn="r">
+              <a:defRPr sz="1200"/>
+            </a:lvl1pPr>
+          </a:lstStyle>
+          <a:p>
+            <a:fld id="{290A6E8C-7D77-4668-AC33-00D0C117ED25}" type="datetimeFigureOut">
+              <a:rPr lang="it-IT" smtClean="0"/>
+              <a:t>19/02/2026</a:t>
+            </a:fld>
+            <a:endParaRPr lang="it-IT"/>
+          </a:p>
+        </p:txBody>
+      </p:sp>
+      <p:sp>
+        <p:nvSpPr>
+          <p:cNvPr id="4" name="Segnaposto immagine diapositiva 3"/>
+          <p:cNvSpPr>
+            <a:spLocks noGrp="1" noRot="1" noChangeAspect="1"/>
+          </p:cNvSpPr>
+          <p:nvPr>
+            <p:ph type="sldImg" idx="2"/>
+          </p:nvPr>
+        </p:nvSpPr>
+        <p:spPr>
+          <a:xfrm>
+            <a:off x="1249363" y="1279525"/>
+            <a:ext cx="4606925" cy="3454400"/>
+          </a:xfrm>
+          <a:prstGeom prst="rect">
+            <a:avLst/>
+          </a:prstGeom>
+          <a:noFill/>
+          <a:ln w="12700">
+            <a:solidFill>
+              <a:prstClr val="black"/>
+            </a:solidFill>
+          </a:ln>
+        </p:spPr>
+        <p:txBody>
+          <a:bodyPr vert="horz" lIns="91440" tIns="45720" rIns="91440" bIns="45720" rtlCol="0" anchor="ctr"/>
+          <a:lstStyle/>
+          <a:p>
+            <a:endParaRPr lang="it-IT"/>
+          </a:p>
+        </p:txBody>
+      </p:sp>
+      <p:sp>
+        <p:nvSpPr>
+          <p:cNvPr id="5" name="Segnaposto note 4"/>
+          <p:cNvSpPr>
+            <a:spLocks noGrp="1"/>
+          </p:cNvSpPr>
+          <p:nvPr>
+            <p:ph type="body" sz="quarter" idx="3"/>
+          </p:nvPr>
+        </p:nvSpPr>
+        <p:spPr>
+          <a:xfrm>
+            <a:off x="711200" y="4926013"/>
+            <a:ext cx="5683250" cy="4029075"/>
+          </a:xfrm>
+          <a:prstGeom prst="rect">
+            <a:avLst/>
+          </a:prstGeom>
+        </p:spPr>
+        <p:txBody>
+          <a:bodyPr vert="horz" lIns="91440" tIns="45720" rIns="91440" bIns="45720" rtlCol="0"/>
+          <a:lstStyle/>
+          <a:p>
+            <a:pPr lvl="0"/>
+            <a:r>
+              <a:rPr lang="it-IT"/>
+              <a:t>Fare clic per modificare gli stili del testo dello schema</a:t>
+            </a:r>
+          </a:p>
+          <a:p>
+            <a:pPr lvl="1"/>
+            <a:r>
+              <a:rPr lang="it-IT"/>
+              <a:t>Secondo livello</a:t>
+            </a:r>
+          </a:p>
+          <a:p>
+            <a:pPr lvl="2"/>
+            <a:r>
+              <a:rPr lang="it-IT"/>
+              <a:t>Terzo livello</a:t>
+            </a:r>
+          </a:p>
+          <a:p>
+            <a:pPr lvl="3"/>
+            <a:r>
+              <a:rPr lang="it-IT"/>
+              <a:t>Quarto livello</a:t>
+            </a:r>
+          </a:p>
+          <a:p>
+            <a:pPr lvl="4"/>
+            <a:r>
+              <a:rPr lang="it-IT"/>
+              <a:t>Quinto livello</a:t>
+            </a:r>
+          </a:p>
+        </p:txBody>
+      </p:sp>
+      <p:sp>
+        <p:nvSpPr>
+          <p:cNvPr id="6" name="Segnaposto piè di pagina 5"/>
+          <p:cNvSpPr>
+            <a:spLocks noGrp="1"/>
+          </p:cNvSpPr>
+          <p:nvPr>
+            <p:ph type="ftr" sz="quarter" idx="4"/>
+          </p:nvPr>
+        </p:nvSpPr>
+        <p:spPr>
+          <a:xfrm>
+            <a:off x="0" y="9721850"/>
+            <a:ext cx="3078163" cy="512763"/>
+          </a:xfrm>
+          <a:prstGeom prst="rect">
+            <a:avLst/>
+          </a:prstGeom>
+        </p:spPr>
+        <p:txBody>
+          <a:bodyPr vert="horz" lIns="91440" tIns="45720" rIns="91440" bIns="45720" rtlCol="0" anchor="b"/>
+          <a:lstStyle>
+            <a:lvl1pPr algn="l">
+              <a:defRPr sz="1200"/>
+            </a:lvl1pPr>
+          </a:lstStyle>
+          <a:p>
+            <a:endParaRPr lang="it-IT"/>
+          </a:p>
+        </p:txBody>
+      </p:sp>
+      <p:sp>
+        <p:nvSpPr>
+          <p:cNvPr id="7" name="Segnaposto numero diapositiva 6"/>
+          <p:cNvSpPr>
+            <a:spLocks noGrp="1"/>
+          </p:cNvSpPr>
+          <p:nvPr>
+            <p:ph type="sldNum" sz="quarter" idx="5"/>
+          </p:nvPr>
+        </p:nvSpPr>
+        <p:spPr>
+          <a:xfrm>
+            <a:off x="4024313" y="9721850"/>
+            <a:ext cx="3078162" cy="512763"/>
+          </a:xfrm>
+          <a:prstGeom prst="rect">
+            <a:avLst/>
+          </a:prstGeom>
+        </p:spPr>
+        <p:txBody>
+          <a:bodyPr vert="horz" lIns="91440" tIns="45720" rIns="91440" bIns="45720" rtlCol="0" anchor="b"/>
+          <a:lstStyle>
+            <a:lvl1pPr algn="r">
+              <a:defRPr sz="1200"/>
+            </a:lvl1pPr>
+          </a:lstStyle>
+          <a:p>
+            <a:fld id="{444EB9BE-1A66-4D56-9925-D6BA3D97EA3E}" type="slidenum">
+              <a:rPr lang="it-IT" smtClean="0"/>
+              <a:t>‹N›</a:t>
+            </a:fld>
+            <a:endParaRPr lang="it-IT"/>
+          </a:p>
+        </p:txBody>
+      </p:sp>
+    </p:spTree>
+    <p:extLst>
+      <p:ext uri="{BB962C8B-B14F-4D97-AF65-F5344CB8AC3E}">
+        <p14:creationId xmlns:p14="http://schemas.microsoft.com/office/powerpoint/2010/main" val="795698181"/>
+      </p:ext>
+    </p:extLst>
+  </p:cSld>
+  <p:clrMap bg1="lt1" tx1="dk1" bg2="lt2" tx2="dk2" accent1="accent1" accent2="accent2" accent3="accent3" accent4="accent4" accent5="accent5" accent6="accent6" hlink="hlink" folHlink="folHlink"/>
+  <p:notesStyle>
+    <a:lvl1pPr marL="0" algn="l" defTabSz="914400" rtl="0" eaLnBrk="1" latinLnBrk="0" hangingPunct="1">
+      <a:defRPr sz="1200" kern="1200">
+        <a:solidFill>
+          <a:schemeClr val="tx1"/>
+        </a:solidFill>
+        <a:latin typeface="+mn-lt"/>
+        <a:ea typeface="+mn-ea"/>
+        <a:cs typeface="+mn-cs"/>
+      </a:defRPr>
+    </a:lvl1pPr>
+    <a:lvl2pPr marL="457200" algn="l" defTabSz="914400" rtl="0" eaLnBrk="1" latinLnBrk="0" hangingPunct="1">
+      <a:defRPr sz="1200" kern="1200">
+        <a:solidFill>
+          <a:schemeClr val="tx1"/>
+        </a:solidFill>
+        <a:latin typeface="+mn-lt"/>
+        <a:ea typeface="+mn-ea"/>
+        <a:cs typeface="+mn-cs"/>
+      </a:defRPr>
+    </a:lvl2pPr>
+    <a:lvl3pPr marL="914400" algn="l" defTabSz="914400" rtl="0" eaLnBrk="1" latinLnBrk="0" hangingPunct="1">
+      <a:defRPr sz="1200" kern="1200">
+        <a:solidFill>
+          <a:schemeClr val="tx1"/>
+        </a:solidFill>
+        <a:latin typeface="+mn-lt"/>
+        <a:ea typeface="+mn-ea"/>
+        <a:cs typeface="+mn-cs"/>
+      </a:defRPr>
+    </a:lvl3pPr>
+    <a:lvl4pPr marL="1371600" algn="l" defTabSz="914400" rtl="0" eaLnBrk="1" latinLnBrk="0" hangingPunct="1">
+      <a:defRPr sz="1200" kern="1200">
+        <a:solidFill>
+          <a:schemeClr val="tx1"/>
+        </a:solidFill>
+        <a:latin typeface="+mn-lt"/>
+        <a:ea typeface="+mn-ea"/>
+        <a:cs typeface="+mn-cs"/>
+      </a:defRPr>
+    </a:lvl4pPr>
+    <a:lvl5pPr marL="1828800" algn="l" defTabSz="914400" rtl="0" eaLnBrk="1" latinLnBrk="0" hangingPunct="1">
+      <a:defRPr sz="1200" kern="1200">
+        <a:solidFill>
+          <a:schemeClr val="tx1"/>
+        </a:solidFill>
+        <a:latin typeface="+mn-lt"/>
+        <a:ea typeface="+mn-ea"/>
+        <a:cs typeface="+mn-cs"/>
+      </a:defRPr>
+    </a:lvl5pPr>
+    <a:lvl6pPr marL="2286000" algn="l" defTabSz="914400" rtl="0" eaLnBrk="1" latinLnBrk="0" hangingPunct="1">
+      <a:defRPr sz="1200" kern="1200">
+        <a:solidFill>
+          <a:schemeClr val="tx1"/>
+        </a:solidFill>
+        <a:latin typeface="+mn-lt"/>
+        <a:ea typeface="+mn-ea"/>
+        <a:cs typeface="+mn-cs"/>
+      </a:defRPr>
+    </a:lvl6pPr>
+    <a:lvl7pPr marL="2743200" algn="l" defTabSz="914400" rtl="0" eaLnBrk="1" latinLnBrk="0" hangingPunct="1">
+      <a:defRPr sz="1200" kern="1200">
+        <a:solidFill>
+          <a:schemeClr val="tx1"/>
+        </a:solidFill>
+        <a:latin typeface="+mn-lt"/>
+        <a:ea typeface="+mn-ea"/>
+        <a:cs typeface="+mn-cs"/>
+      </a:defRPr>
+    </a:lvl7pPr>
+    <a:lvl8pPr marL="3200400" algn="l" defTabSz="914400" rtl="0" eaLnBrk="1" latinLnBrk="0" hangingPunct="1">
+      <a:defRPr sz="1200" kern="1200">
+        <a:solidFill>
+          <a:schemeClr val="tx1"/>
+        </a:solidFill>
+        <a:latin typeface="+mn-lt"/>
+        <a:ea typeface="+mn-ea"/>
+        <a:cs typeface="+mn-cs"/>
+      </a:defRPr>
+    </a:lvl8pPr>
+    <a:lvl9pPr marL="3657600" algn="l" defTabSz="914400" rtl="0" eaLnBrk="1" latinLnBrk="0" hangingPunct="1">
+      <a:defRPr sz="1200" kern="1200">
+        <a:solidFill>
+          <a:schemeClr val="tx1"/>
+        </a:solidFill>
+        <a:latin typeface="+mn-lt"/>
+        <a:ea typeface="+mn-ea"/>
+        <a:cs typeface="+mn-cs"/>
+      </a:defRPr>
+    </a:lvl9pPr>
+  </p:notesStyle>
+</p:notesMaster>
+</file>
+
+<file path=ppt/notesSlides/notesSlide1.xml><?xml version="1.0" encoding="utf-8"?>
+<p:notes xmlns:a="http://schemas.openxmlformats.org/drawingml/2006/main" xmlns:r="http://schemas.openxmlformats.org/officeDocument/2006/relationships" xmlns:p="http://schemas.openxmlformats.org/presentationml/2006/main">
+  <p:cSld>
+    <p:spTree>
+      <p:nvGrpSpPr>
+        <p:cNvPr id="1" name=""/>
+        <p:cNvGrpSpPr/>
+        <p:nvPr/>
+      </p:nvGrpSpPr>
+      <p:grpSpPr>
+        <a:xfrm>
+          <a:off x="0" y="0"/>
+          <a:ext cx="0" cy="0"/>
+          <a:chOff x="0" y="0"/>
+          <a:chExt cx="0" cy="0"/>
+        </a:xfrm>
+      </p:grpSpPr>
+      <p:sp>
+        <p:nvSpPr>
+          <p:cNvPr id="2" name="Segnaposto immagine diapositiva 1"/>
+          <p:cNvSpPr>
+            <a:spLocks noGrp="1" noRot="1" noChangeAspect="1"/>
+          </p:cNvSpPr>
+          <p:nvPr>
+            <p:ph type="sldImg"/>
+          </p:nvPr>
+        </p:nvSpPr>
+        <p:spPr/>
+      </p:sp>
+      <p:sp>
+        <p:nvSpPr>
+          <p:cNvPr id="3" name="Segnaposto note 2"/>
+          <p:cNvSpPr>
+            <a:spLocks noGrp="1"/>
+          </p:cNvSpPr>
+          <p:nvPr>
+            <p:ph type="body" idx="1"/>
+          </p:nvPr>
+        </p:nvSpPr>
+        <p:spPr/>
+        <p:txBody>
+          <a:bodyPr/>
+          <a:lstStyle/>
+          <a:p>
+            <a:r>
+              <a:rPr lang="it-IT" dirty="0"/>
+              <a:t>[CLS] Età [SEP] </a:t>
+            </a:r>
+            <a:r>
+              <a:rPr lang="it-IT" dirty="0" err="1"/>
+              <a:t>Integer</a:t>
+            </a:r>
+            <a:r>
+              <a:rPr lang="it-IT" dirty="0"/>
+              <a:t> [SEP] 25 [SEP] 30 [SEP] 45</a:t>
+            </a:r>
+            <a:br>
+              <a:rPr lang="it-IT" dirty="0"/>
+            </a:br>
+            <a:r>
+              <a:rPr lang="it-IT" dirty="0"/>
+              <a:t>[CLS] Colonna: Età [SEP] Tipo: </a:t>
+            </a:r>
+            <a:r>
+              <a:rPr lang="it-IT" dirty="0" err="1"/>
+              <a:t>Integer</a:t>
+            </a:r>
+            <a:r>
+              <a:rPr lang="it-IT" dirty="0"/>
+              <a:t> [SEP] Valori: 25 [SEP] 30</a:t>
+            </a:r>
+            <a:br>
+              <a:rPr lang="it-IT" dirty="0"/>
+            </a:br>
+            <a:r>
+              <a:rPr lang="it-IT" dirty="0"/>
+              <a:t>[CLS] Età [SEP] Età [SEP] Età [SEP] Età [SEP] Età [SEP] </a:t>
+            </a:r>
+            <a:r>
+              <a:rPr lang="it-IT" dirty="0" err="1"/>
+              <a:t>Integer</a:t>
+            </a:r>
+            <a:r>
+              <a:rPr lang="it-IT" dirty="0"/>
+              <a:t> [SEP] 25</a:t>
+            </a:r>
+          </a:p>
+        </p:txBody>
+      </p:sp>
+      <p:sp>
+        <p:nvSpPr>
+          <p:cNvPr id="4" name="Segnaposto numero diapositiva 3"/>
+          <p:cNvSpPr>
+            <a:spLocks noGrp="1"/>
+          </p:cNvSpPr>
+          <p:nvPr>
+            <p:ph type="sldNum" sz="quarter" idx="5"/>
+          </p:nvPr>
+        </p:nvSpPr>
+        <p:spPr/>
+        <p:txBody>
+          <a:bodyPr/>
+          <a:lstStyle/>
+          <a:p>
+            <a:fld id="{444EB9BE-1A66-4D56-9925-D6BA3D97EA3E}" type="slidenum">
+              <a:rPr lang="it-IT" smtClean="0"/>
+              <a:t>7</a:t>
+            </a:fld>
+            <a:endParaRPr lang="it-IT"/>
+          </a:p>
+        </p:txBody>
+      </p:sp>
+    </p:spTree>
+    <p:extLst>
+      <p:ext uri="{BB962C8B-B14F-4D97-AF65-F5344CB8AC3E}">
+        <p14:creationId xmlns:p14="http://schemas.microsoft.com/office/powerpoint/2010/main" val="987694815"/>
+      </p:ext>
+    </p:extLst>
+  </p:cSld>
+  <p:clrMapOvr>
+    <a:masterClrMapping/>
+  </p:clrMapOvr>
+</p:notes>
 </file>
 
 <file path=ppt/slideLayouts/slideLayout1.xml><?xml version="1.0" encoding="utf-8"?>
@@ -156,10 +649,9 @@
           <a:lstStyle/>
           <a:p>
             <a:r>
-              <a:rPr lang="it-IT" smtClean="0"/>
+              <a:rPr lang="it-IT"/>
               <a:t>Fare clic per modificare lo stile del titolo</a:t>
             </a:r>
-            <a:endParaRPr lang="it-IT"/>
           </a:p>
         </p:txBody>
       </p:sp>
@@ -275,10 +767,9 @@
           </a:lstStyle>
           <a:p>
             <a:r>
-              <a:rPr lang="it-IT" smtClean="0"/>
+              <a:rPr lang="it-IT"/>
               <a:t>Fare clic per modificare lo stile del sottotitolo dello schema</a:t>
             </a:r>
-            <a:endParaRPr lang="it-IT"/>
           </a:p>
         </p:txBody>
       </p:sp>
@@ -299,7 +790,7 @@
           <a:p>
             <a:fld id="{7F49D355-16BD-4E45-BD9A-5EA878CF7CBD}" type="datetimeFigureOut">
               <a:rPr lang="it-IT" smtClean="0"/>
-              <a:t>30/01/2026</a:t>
+              <a:t>19/02/2026</a:t>
             </a:fld>
             <a:endParaRPr lang="it-IT"/>
           </a:p>
@@ -388,10 +879,9 @@
           <a:lstStyle/>
           <a:p>
             <a:r>
-              <a:rPr lang="it-IT" smtClean="0"/>
+              <a:rPr lang="it-IT"/>
               <a:t>Fare clic per modificare lo stile del titolo</a:t>
             </a:r>
-            <a:endParaRPr lang="it-IT"/>
           </a:p>
         </p:txBody>
       </p:sp>
@@ -412,38 +902,37 @@
           <a:p>
             <a:pPr lvl="0"/>
             <a:r>
-              <a:rPr lang="it-IT" smtClean="0"/>
+              <a:rPr lang="it-IT"/>
               <a:t>Fare clic per modificare stili del testo dello schema</a:t>
             </a:r>
           </a:p>
           <a:p>
             <a:pPr lvl="1"/>
             <a:r>
-              <a:rPr lang="it-IT" smtClean="0"/>
+              <a:rPr lang="it-IT"/>
               <a:t>Secondo livello</a:t>
             </a:r>
           </a:p>
           <a:p>
             <a:pPr lvl="2"/>
             <a:r>
-              <a:rPr lang="it-IT" smtClean="0"/>
+              <a:rPr lang="it-IT"/>
               <a:t>Terzo livello</a:t>
             </a:r>
           </a:p>
           <a:p>
             <a:pPr lvl="3"/>
             <a:r>
-              <a:rPr lang="it-IT" smtClean="0"/>
+              <a:rPr lang="it-IT"/>
               <a:t>Quarto livello</a:t>
             </a:r>
           </a:p>
           <a:p>
             <a:pPr lvl="4"/>
             <a:r>
-              <a:rPr lang="it-IT" smtClean="0"/>
+              <a:rPr lang="it-IT"/>
               <a:t>Quinto livello</a:t>
             </a:r>
-            <a:endParaRPr lang="it-IT"/>
           </a:p>
         </p:txBody>
       </p:sp>
@@ -464,7 +953,7 @@
           <a:p>
             <a:fld id="{7F49D355-16BD-4E45-BD9A-5EA878CF7CBD}" type="datetimeFigureOut">
               <a:rPr lang="it-IT" smtClean="0"/>
-              <a:t>30/01/2026</a:t>
+              <a:t>19/02/2026</a:t>
             </a:fld>
             <a:endParaRPr lang="it-IT"/>
           </a:p>
@@ -558,10 +1047,9 @@
           <a:lstStyle/>
           <a:p>
             <a:r>
-              <a:rPr lang="it-IT" smtClean="0"/>
+              <a:rPr lang="it-IT"/>
               <a:t>Fare clic per modificare lo stile del titolo</a:t>
             </a:r>
-            <a:endParaRPr lang="it-IT"/>
           </a:p>
         </p:txBody>
       </p:sp>
@@ -587,38 +1075,37 @@
           <a:p>
             <a:pPr lvl="0"/>
             <a:r>
-              <a:rPr lang="it-IT" smtClean="0"/>
+              <a:rPr lang="it-IT"/>
               <a:t>Fare clic per modificare stili del testo dello schema</a:t>
             </a:r>
           </a:p>
           <a:p>
             <a:pPr lvl="1"/>
             <a:r>
-              <a:rPr lang="it-IT" smtClean="0"/>
+              <a:rPr lang="it-IT"/>
               <a:t>Secondo livello</a:t>
             </a:r>
           </a:p>
           <a:p>
             <a:pPr lvl="2"/>
             <a:r>
-              <a:rPr lang="it-IT" smtClean="0"/>
+              <a:rPr lang="it-IT"/>
               <a:t>Terzo livello</a:t>
             </a:r>
           </a:p>
           <a:p>
             <a:pPr lvl="3"/>
             <a:r>
-              <a:rPr lang="it-IT" smtClean="0"/>
+              <a:rPr lang="it-IT"/>
               <a:t>Quarto livello</a:t>
             </a:r>
           </a:p>
           <a:p>
             <a:pPr lvl="4"/>
             <a:r>
-              <a:rPr lang="it-IT" smtClean="0"/>
+              <a:rPr lang="it-IT"/>
               <a:t>Quinto livello</a:t>
             </a:r>
-            <a:endParaRPr lang="it-IT"/>
           </a:p>
         </p:txBody>
       </p:sp>
@@ -639,7 +1126,7 @@
           <a:p>
             <a:fld id="{7F49D355-16BD-4E45-BD9A-5EA878CF7CBD}" type="datetimeFigureOut">
               <a:rPr lang="it-IT" smtClean="0"/>
-              <a:t>30/01/2026</a:t>
+              <a:t>19/02/2026</a:t>
             </a:fld>
             <a:endParaRPr lang="it-IT"/>
           </a:p>
@@ -728,10 +1215,9 @@
           <a:lstStyle/>
           <a:p>
             <a:r>
-              <a:rPr lang="it-IT" smtClean="0"/>
+              <a:rPr lang="it-IT"/>
               <a:t>Fare clic per modificare lo stile del titolo</a:t>
             </a:r>
-            <a:endParaRPr lang="it-IT"/>
           </a:p>
         </p:txBody>
       </p:sp>
@@ -752,38 +1238,37 @@
           <a:p>
             <a:pPr lvl="0"/>
             <a:r>
-              <a:rPr lang="it-IT" smtClean="0"/>
+              <a:rPr lang="it-IT"/>
               <a:t>Fare clic per modificare stili del testo dello schema</a:t>
             </a:r>
           </a:p>
           <a:p>
             <a:pPr lvl="1"/>
             <a:r>
-              <a:rPr lang="it-IT" smtClean="0"/>
+              <a:rPr lang="it-IT"/>
               <a:t>Secondo livello</a:t>
             </a:r>
           </a:p>
           <a:p>
             <a:pPr lvl="2"/>
             <a:r>
-              <a:rPr lang="it-IT" smtClean="0"/>
+              <a:rPr lang="it-IT"/>
               <a:t>Terzo livello</a:t>
             </a:r>
           </a:p>
           <a:p>
             <a:pPr lvl="3"/>
             <a:r>
-              <a:rPr lang="it-IT" smtClean="0"/>
+              <a:rPr lang="it-IT"/>
               <a:t>Quarto livello</a:t>
             </a:r>
           </a:p>
           <a:p>
             <a:pPr lvl="4"/>
             <a:r>
-              <a:rPr lang="it-IT" smtClean="0"/>
+              <a:rPr lang="it-IT"/>
               <a:t>Quinto livello</a:t>
             </a:r>
-            <a:endParaRPr lang="it-IT"/>
           </a:p>
         </p:txBody>
       </p:sp>
@@ -804,7 +1289,7 @@
           <a:p>
             <a:fld id="{7F49D355-16BD-4E45-BD9A-5EA878CF7CBD}" type="datetimeFigureOut">
               <a:rPr lang="it-IT" smtClean="0"/>
-              <a:t>30/01/2026</a:t>
+              <a:t>19/02/2026</a:t>
             </a:fld>
             <a:endParaRPr lang="it-IT"/>
           </a:p>
@@ -902,10 +1387,9 @@
           </a:lstStyle>
           <a:p>
             <a:r>
-              <a:rPr lang="it-IT" smtClean="0"/>
+              <a:rPr lang="it-IT"/>
               <a:t>Fare clic per modificare lo stile del titolo</a:t>
             </a:r>
-            <a:endParaRPr lang="it-IT"/>
           </a:p>
         </p:txBody>
       </p:sp>
@@ -1022,7 +1506,7 @@
           <a:p>
             <a:pPr lvl="0"/>
             <a:r>
-              <a:rPr lang="it-IT" smtClean="0"/>
+              <a:rPr lang="it-IT"/>
               <a:t>Fare clic per modificare stili del testo dello schema</a:t>
             </a:r>
           </a:p>
@@ -1045,7 +1529,7 @@
           <a:p>
             <a:fld id="{7F49D355-16BD-4E45-BD9A-5EA878CF7CBD}" type="datetimeFigureOut">
               <a:rPr lang="it-IT" smtClean="0"/>
-              <a:t>30/01/2026</a:t>
+              <a:t>19/02/2026</a:t>
             </a:fld>
             <a:endParaRPr lang="it-IT"/>
           </a:p>
@@ -1134,10 +1618,9 @@
           <a:lstStyle/>
           <a:p>
             <a:r>
-              <a:rPr lang="it-IT" smtClean="0"/>
+              <a:rPr lang="it-IT"/>
               <a:t>Fare clic per modificare lo stile del titolo</a:t>
             </a:r>
-            <a:endParaRPr lang="it-IT"/>
           </a:p>
         </p:txBody>
       </p:sp>
@@ -1191,38 +1674,37 @@
           <a:p>
             <a:pPr lvl="0"/>
             <a:r>
-              <a:rPr lang="it-IT" smtClean="0"/>
+              <a:rPr lang="it-IT"/>
               <a:t>Fare clic per modificare stili del testo dello schema</a:t>
             </a:r>
           </a:p>
           <a:p>
             <a:pPr lvl="1"/>
             <a:r>
-              <a:rPr lang="it-IT" smtClean="0"/>
+              <a:rPr lang="it-IT"/>
               <a:t>Secondo livello</a:t>
             </a:r>
           </a:p>
           <a:p>
             <a:pPr lvl="2"/>
             <a:r>
-              <a:rPr lang="it-IT" smtClean="0"/>
+              <a:rPr lang="it-IT"/>
               <a:t>Terzo livello</a:t>
             </a:r>
           </a:p>
           <a:p>
             <a:pPr lvl="3"/>
             <a:r>
-              <a:rPr lang="it-IT" smtClean="0"/>
+              <a:rPr lang="it-IT"/>
               <a:t>Quarto livello</a:t>
             </a:r>
           </a:p>
           <a:p>
             <a:pPr lvl="4"/>
             <a:r>
-              <a:rPr lang="it-IT" smtClean="0"/>
+              <a:rPr lang="it-IT"/>
               <a:t>Quinto livello</a:t>
             </a:r>
-            <a:endParaRPr lang="it-IT"/>
           </a:p>
         </p:txBody>
       </p:sp>
@@ -1276,38 +1758,37 @@
           <a:p>
             <a:pPr lvl="0"/>
             <a:r>
-              <a:rPr lang="it-IT" smtClean="0"/>
+              <a:rPr lang="it-IT"/>
               <a:t>Fare clic per modificare stili del testo dello schema</a:t>
             </a:r>
           </a:p>
           <a:p>
             <a:pPr lvl="1"/>
             <a:r>
-              <a:rPr lang="it-IT" smtClean="0"/>
+              <a:rPr lang="it-IT"/>
               <a:t>Secondo livello</a:t>
             </a:r>
           </a:p>
           <a:p>
             <a:pPr lvl="2"/>
             <a:r>
-              <a:rPr lang="it-IT" smtClean="0"/>
+              <a:rPr lang="it-IT"/>
               <a:t>Terzo livello</a:t>
             </a:r>
           </a:p>
           <a:p>
             <a:pPr lvl="3"/>
             <a:r>
-              <a:rPr lang="it-IT" smtClean="0"/>
+              <a:rPr lang="it-IT"/>
               <a:t>Quarto livello</a:t>
             </a:r>
           </a:p>
           <a:p>
             <a:pPr lvl="4"/>
             <a:r>
-              <a:rPr lang="it-IT" smtClean="0"/>
+              <a:rPr lang="it-IT"/>
               <a:t>Quinto livello</a:t>
             </a:r>
-            <a:endParaRPr lang="it-IT"/>
           </a:p>
         </p:txBody>
       </p:sp>
@@ -1328,7 +1809,7 @@
           <a:p>
             <a:fld id="{7F49D355-16BD-4E45-BD9A-5EA878CF7CBD}" type="datetimeFigureOut">
               <a:rPr lang="it-IT" smtClean="0"/>
-              <a:t>30/01/2026</a:t>
+              <a:t>19/02/2026</a:t>
             </a:fld>
             <a:endParaRPr lang="it-IT"/>
           </a:p>
@@ -1421,10 +1902,9 @@
           </a:lstStyle>
           <a:p>
             <a:r>
-              <a:rPr lang="it-IT" smtClean="0"/>
+              <a:rPr lang="it-IT"/>
               <a:t>Fare clic per modificare lo stile del titolo</a:t>
             </a:r>
-            <a:endParaRPr lang="it-IT"/>
           </a:p>
         </p:txBody>
       </p:sp>
@@ -1487,7 +1967,7 @@
           <a:p>
             <a:pPr lvl="0"/>
             <a:r>
-              <a:rPr lang="it-IT" smtClean="0"/>
+              <a:rPr lang="it-IT"/>
               <a:t>Fare clic per modificare stili del testo dello schema</a:t>
             </a:r>
           </a:p>
@@ -1543,38 +2023,37 @@
           <a:p>
             <a:pPr lvl="0"/>
             <a:r>
-              <a:rPr lang="it-IT" smtClean="0"/>
+              <a:rPr lang="it-IT"/>
               <a:t>Fare clic per modificare stili del testo dello schema</a:t>
             </a:r>
           </a:p>
           <a:p>
             <a:pPr lvl="1"/>
             <a:r>
-              <a:rPr lang="it-IT" smtClean="0"/>
+              <a:rPr lang="it-IT"/>
               <a:t>Secondo livello</a:t>
             </a:r>
           </a:p>
           <a:p>
             <a:pPr lvl="2"/>
             <a:r>
-              <a:rPr lang="it-IT" smtClean="0"/>
+              <a:rPr lang="it-IT"/>
               <a:t>Terzo livello</a:t>
             </a:r>
           </a:p>
           <a:p>
             <a:pPr lvl="3"/>
             <a:r>
-              <a:rPr lang="it-IT" smtClean="0"/>
+              <a:rPr lang="it-IT"/>
               <a:t>Quarto livello</a:t>
             </a:r>
           </a:p>
           <a:p>
             <a:pPr lvl="4"/>
             <a:r>
-              <a:rPr lang="it-IT" smtClean="0"/>
+              <a:rPr lang="it-IT"/>
               <a:t>Quinto livello</a:t>
             </a:r>
-            <a:endParaRPr lang="it-IT"/>
           </a:p>
         </p:txBody>
       </p:sp>
@@ -1637,7 +2116,7 @@
           <a:p>
             <a:pPr lvl="0"/>
             <a:r>
-              <a:rPr lang="it-IT" smtClean="0"/>
+              <a:rPr lang="it-IT"/>
               <a:t>Fare clic per modificare stili del testo dello schema</a:t>
             </a:r>
           </a:p>
@@ -1693,38 +2172,37 @@
           <a:p>
             <a:pPr lvl="0"/>
             <a:r>
-              <a:rPr lang="it-IT" smtClean="0"/>
+              <a:rPr lang="it-IT"/>
               <a:t>Fare clic per modificare stili del testo dello schema</a:t>
             </a:r>
           </a:p>
           <a:p>
             <a:pPr lvl="1"/>
             <a:r>
-              <a:rPr lang="it-IT" smtClean="0"/>
+              <a:rPr lang="it-IT"/>
               <a:t>Secondo livello</a:t>
             </a:r>
           </a:p>
           <a:p>
             <a:pPr lvl="2"/>
             <a:r>
-              <a:rPr lang="it-IT" smtClean="0"/>
+              <a:rPr lang="it-IT"/>
               <a:t>Terzo livello</a:t>
             </a:r>
           </a:p>
           <a:p>
             <a:pPr lvl="3"/>
             <a:r>
-              <a:rPr lang="it-IT" smtClean="0"/>
+              <a:rPr lang="it-IT"/>
               <a:t>Quarto livello</a:t>
             </a:r>
           </a:p>
           <a:p>
             <a:pPr lvl="4"/>
             <a:r>
-              <a:rPr lang="it-IT" smtClean="0"/>
+              <a:rPr lang="it-IT"/>
               <a:t>Quinto livello</a:t>
             </a:r>
-            <a:endParaRPr lang="it-IT"/>
           </a:p>
         </p:txBody>
       </p:sp>
@@ -1745,7 +2223,7 @@
           <a:p>
             <a:fld id="{7F49D355-16BD-4E45-BD9A-5EA878CF7CBD}" type="datetimeFigureOut">
               <a:rPr lang="it-IT" smtClean="0"/>
-              <a:t>30/01/2026</a:t>
+              <a:t>19/02/2026</a:t>
             </a:fld>
             <a:endParaRPr lang="it-IT"/>
           </a:p>
@@ -1834,10 +2312,9 @@
           <a:lstStyle/>
           <a:p>
             <a:r>
-              <a:rPr lang="it-IT" smtClean="0"/>
+              <a:rPr lang="it-IT"/>
               <a:t>Fare clic per modificare lo stile del titolo</a:t>
             </a:r>
-            <a:endParaRPr lang="it-IT"/>
           </a:p>
         </p:txBody>
       </p:sp>
@@ -1858,7 +2335,7 @@
           <a:p>
             <a:fld id="{7F49D355-16BD-4E45-BD9A-5EA878CF7CBD}" type="datetimeFigureOut">
               <a:rPr lang="it-IT" smtClean="0"/>
-              <a:t>30/01/2026</a:t>
+              <a:t>19/02/2026</a:t>
             </a:fld>
             <a:endParaRPr lang="it-IT"/>
           </a:p>
@@ -1948,7 +2425,7 @@
           <a:p>
             <a:fld id="{7F49D355-16BD-4E45-BD9A-5EA878CF7CBD}" type="datetimeFigureOut">
               <a:rPr lang="it-IT" smtClean="0"/>
-              <a:t>30/01/2026</a:t>
+              <a:t>19/02/2026</a:t>
             </a:fld>
             <a:endParaRPr lang="it-IT"/>
           </a:p>
@@ -2046,10 +2523,9 @@
           </a:lstStyle>
           <a:p>
             <a:r>
-              <a:rPr lang="it-IT" smtClean="0"/>
+              <a:rPr lang="it-IT"/>
               <a:t>Fare clic per modificare lo stile del titolo</a:t>
             </a:r>
-            <a:endParaRPr lang="it-IT"/>
           </a:p>
         </p:txBody>
       </p:sp>
@@ -2103,38 +2579,37 @@
           <a:p>
             <a:pPr lvl="0"/>
             <a:r>
-              <a:rPr lang="it-IT" smtClean="0"/>
+              <a:rPr lang="it-IT"/>
               <a:t>Fare clic per modificare stili del testo dello schema</a:t>
             </a:r>
           </a:p>
           <a:p>
             <a:pPr lvl="1"/>
             <a:r>
-              <a:rPr lang="it-IT" smtClean="0"/>
+              <a:rPr lang="it-IT"/>
               <a:t>Secondo livello</a:t>
             </a:r>
           </a:p>
           <a:p>
             <a:pPr lvl="2"/>
             <a:r>
-              <a:rPr lang="it-IT" smtClean="0"/>
+              <a:rPr lang="it-IT"/>
               <a:t>Terzo livello</a:t>
             </a:r>
           </a:p>
           <a:p>
             <a:pPr lvl="3"/>
             <a:r>
-              <a:rPr lang="it-IT" smtClean="0"/>
+              <a:rPr lang="it-IT"/>
               <a:t>Quarto livello</a:t>
             </a:r>
           </a:p>
           <a:p>
             <a:pPr lvl="4"/>
             <a:r>
-              <a:rPr lang="it-IT" smtClean="0"/>
+              <a:rPr lang="it-IT"/>
               <a:t>Quinto livello</a:t>
             </a:r>
-            <a:endParaRPr lang="it-IT"/>
           </a:p>
         </p:txBody>
       </p:sp>
@@ -2197,7 +2672,7 @@
           <a:p>
             <a:pPr lvl="0"/>
             <a:r>
-              <a:rPr lang="it-IT" smtClean="0"/>
+              <a:rPr lang="it-IT"/>
               <a:t>Fare clic per modificare stili del testo dello schema</a:t>
             </a:r>
           </a:p>
@@ -2220,7 +2695,7 @@
           <a:p>
             <a:fld id="{7F49D355-16BD-4E45-BD9A-5EA878CF7CBD}" type="datetimeFigureOut">
               <a:rPr lang="it-IT" smtClean="0"/>
-              <a:t>30/01/2026</a:t>
+              <a:t>19/02/2026</a:t>
             </a:fld>
             <a:endParaRPr lang="it-IT"/>
           </a:p>
@@ -2318,10 +2793,9 @@
           </a:lstStyle>
           <a:p>
             <a:r>
-              <a:rPr lang="it-IT" smtClean="0"/>
+              <a:rPr lang="it-IT"/>
               <a:t>Fare clic per modificare lo stile del titolo</a:t>
             </a:r>
-            <a:endParaRPr lang="it-IT"/>
           </a:p>
         </p:txBody>
       </p:sp>
@@ -2445,7 +2919,7 @@
           <a:p>
             <a:pPr lvl="0"/>
             <a:r>
-              <a:rPr lang="it-IT" smtClean="0"/>
+              <a:rPr lang="it-IT"/>
               <a:t>Fare clic per modificare stili del testo dello schema</a:t>
             </a:r>
           </a:p>
@@ -2468,7 +2942,7 @@
           <a:p>
             <a:fld id="{7F49D355-16BD-4E45-BD9A-5EA878CF7CBD}" type="datetimeFigureOut">
               <a:rPr lang="it-IT" smtClean="0"/>
-              <a:t>30/01/2026</a:t>
+              <a:t>19/02/2026</a:t>
             </a:fld>
             <a:endParaRPr lang="it-IT"/>
           </a:p>
@@ -2572,10 +3046,9 @@
           <a:lstStyle/>
           <a:p>
             <a:r>
-              <a:rPr lang="it-IT" smtClean="0"/>
+              <a:rPr lang="it-IT"/>
               <a:t>Fare clic per modificare lo stile del titolo</a:t>
             </a:r>
-            <a:endParaRPr lang="it-IT"/>
           </a:p>
         </p:txBody>
       </p:sp>
@@ -2606,38 +3079,37 @@
           <a:p>
             <a:pPr lvl="0"/>
             <a:r>
-              <a:rPr lang="it-IT" smtClean="0"/>
+              <a:rPr lang="it-IT"/>
               <a:t>Fare clic per modificare stili del testo dello schema</a:t>
             </a:r>
           </a:p>
           <a:p>
             <a:pPr lvl="1"/>
             <a:r>
-              <a:rPr lang="it-IT" smtClean="0"/>
+              <a:rPr lang="it-IT"/>
               <a:t>Secondo livello</a:t>
             </a:r>
           </a:p>
           <a:p>
             <a:pPr lvl="2"/>
             <a:r>
-              <a:rPr lang="it-IT" smtClean="0"/>
+              <a:rPr lang="it-IT"/>
               <a:t>Terzo livello</a:t>
             </a:r>
           </a:p>
           <a:p>
             <a:pPr lvl="3"/>
             <a:r>
-              <a:rPr lang="it-IT" smtClean="0"/>
+              <a:rPr lang="it-IT"/>
               <a:t>Quarto livello</a:t>
             </a:r>
           </a:p>
           <a:p>
             <a:pPr lvl="4"/>
             <a:r>
-              <a:rPr lang="it-IT" smtClean="0"/>
+              <a:rPr lang="it-IT"/>
               <a:t>Quinto livello</a:t>
             </a:r>
-            <a:endParaRPr lang="it-IT"/>
           </a:p>
         </p:txBody>
       </p:sp>
@@ -2676,7 +3148,7 @@
           <a:p>
             <a:fld id="{7F49D355-16BD-4E45-BD9A-5EA878CF7CBD}" type="datetimeFigureOut">
               <a:rPr lang="it-IT" smtClean="0"/>
-              <a:t>30/01/2026</a:t>
+              <a:t>19/02/2026</a:t>
             </a:fld>
             <a:endParaRPr lang="it-IT"/>
           </a:p>
@@ -3179,18 +3651,18 @@
           </a:lstStyle>
           <a:p>
             <a:r>
-              <a:rPr lang="it-IT" sz="1800" dirty="0" err="1" smtClean="0"/>
+              <a:rPr lang="it-IT" sz="1800" dirty="0" err="1"/>
               <a:t>HomeWork</a:t>
             </a:r>
             <a:r>
-              <a:rPr lang="it-IT" sz="1800" dirty="0" smtClean="0"/>
+              <a:rPr lang="it-IT" sz="1800" dirty="0"/>
               <a:t> 3</a:t>
             </a:r>
             <a:br>
-              <a:rPr lang="it-IT" sz="1800" dirty="0" smtClean="0"/>
+              <a:rPr lang="it-IT" sz="1800" dirty="0"/>
             </a:br>
             <a:r>
-              <a:rPr lang="it-IT" sz="1800" dirty="0" smtClean="0"/>
+              <a:rPr lang="it-IT" sz="1800" dirty="0"/>
               <a:t>Ingegneria dei Dati</a:t>
             </a:r>
             <a:endParaRPr lang="it-IT" sz="3000" dirty="0"/>
@@ -3348,7 +3820,292 @@
               </a:rPr>
               <a:t>Magneto: Combining Small and Large Language Models for Schema Matching</a:t>
             </a:r>
-            <a:endParaRPr lang="it-IT" sz="2000" b="1" dirty="0">
+          </a:p>
+        </p:txBody>
+      </p:sp>
+      <p:sp>
+        <p:nvSpPr>
+          <p:cNvPr id="9" name="CasellaDiTesto 8">
+            <a:extLst>
+              <a:ext uri="{FF2B5EF4-FFF2-40B4-BE49-F238E27FC236}">
+                <a16:creationId xmlns:a16="http://schemas.microsoft.com/office/drawing/2014/main" id="{347BDBA4-F90F-279F-FE58-CC904BFBD2D0}"/>
+              </a:ext>
+            </a:extLst>
+          </p:cNvPr>
+          <p:cNvSpPr txBox="1"/>
+          <p:nvPr/>
+        </p:nvSpPr>
+        <p:spPr>
+          <a:xfrm>
+            <a:off x="201434" y="5851782"/>
+            <a:ext cx="8114982" cy="677108"/>
+          </a:xfrm>
+          <a:prstGeom prst="rect">
+            <a:avLst/>
+          </a:prstGeom>
+          <a:noFill/>
+        </p:spPr>
+        <p:txBody>
+          <a:bodyPr wrap="square">
+            <a:spAutoFit/>
+          </a:bodyPr>
+          <a:lstStyle/>
+          <a:p>
+            <a:pPr marL="0" indent="0">
+              <a:buNone/>
+            </a:pPr>
+            <a:r>
+              <a:rPr lang="it-IT" sz="2000" b="1" dirty="0">
+                <a:latin typeface="Times New Roman" panose="02020603050405020304" pitchFamily="18" charset="0"/>
+                <a:cs typeface="Times New Roman" panose="02020603050405020304" pitchFamily="18" charset="0"/>
+              </a:rPr>
+              <a:t>Membri</a:t>
+            </a:r>
+            <a:r>
+              <a:rPr lang="it-IT" sz="1800" dirty="0">
+                <a:latin typeface="Times New Roman" panose="02020603050405020304" pitchFamily="18" charset="0"/>
+                <a:cs typeface="Times New Roman" panose="02020603050405020304" pitchFamily="18" charset="0"/>
+              </a:rPr>
+              <a:t> </a:t>
+            </a:r>
+          </a:p>
+          <a:p>
+            <a:pPr marL="0" indent="0">
+              <a:buNone/>
+            </a:pPr>
+            <a:r>
+              <a:rPr lang="it-IT" dirty="0">
+                <a:latin typeface="Times New Roman" panose="02020603050405020304" pitchFamily="18" charset="0"/>
+                <a:cs typeface="Times New Roman" panose="02020603050405020304" pitchFamily="18" charset="0"/>
+              </a:rPr>
+              <a:t>Alessandro di Mario, Pietro Barone, Guido </a:t>
+            </a:r>
+            <a:r>
+              <a:rPr lang="it-IT" dirty="0" err="1">
+                <a:latin typeface="Times New Roman" panose="02020603050405020304" pitchFamily="18" charset="0"/>
+                <a:cs typeface="Times New Roman" panose="02020603050405020304" pitchFamily="18" charset="0"/>
+              </a:rPr>
+              <a:t>Petrolito</a:t>
+            </a:r>
+            <a:r>
+              <a:rPr lang="it-IT" dirty="0">
+                <a:latin typeface="Times New Roman" panose="02020603050405020304" pitchFamily="18" charset="0"/>
+                <a:cs typeface="Times New Roman" panose="02020603050405020304" pitchFamily="18" charset="0"/>
+              </a:rPr>
+              <a:t>, Douglas Ruffini</a:t>
+            </a:r>
+            <a:endParaRPr lang="it-IT" dirty="0"/>
+          </a:p>
+        </p:txBody>
+      </p:sp>
+      <p:sp>
+        <p:nvSpPr>
+          <p:cNvPr id="11" name="CasellaDiTesto 10">
+            <a:extLst>
+              <a:ext uri="{FF2B5EF4-FFF2-40B4-BE49-F238E27FC236}">
+                <a16:creationId xmlns:a16="http://schemas.microsoft.com/office/drawing/2014/main" id="{441DC5D0-66FB-FCEB-503F-45E00F25B982}"/>
+              </a:ext>
+            </a:extLst>
+          </p:cNvPr>
+          <p:cNvSpPr txBox="1"/>
+          <p:nvPr/>
+        </p:nvSpPr>
+        <p:spPr>
+          <a:xfrm>
+            <a:off x="201434" y="3225711"/>
+            <a:ext cx="8640960" cy="2308324"/>
+          </a:xfrm>
+          <a:prstGeom prst="rect">
+            <a:avLst/>
+          </a:prstGeom>
+          <a:noFill/>
+        </p:spPr>
+        <p:txBody>
+          <a:bodyPr wrap="square">
+            <a:spAutoFit/>
+          </a:bodyPr>
+          <a:lstStyle/>
+          <a:p>
+            <a:pPr marL="0" indent="0">
+              <a:buNone/>
+            </a:pPr>
+            <a:r>
+              <a:rPr lang="it-IT" sz="2000" b="1" dirty="0">
+                <a:latin typeface="Times New Roman" panose="02020603050405020304" pitchFamily="18" charset="0"/>
+                <a:cs typeface="Times New Roman" panose="02020603050405020304" pitchFamily="18" charset="0"/>
+              </a:rPr>
+              <a:t>Autori</a:t>
+            </a:r>
+            <a:endParaRPr lang="it-IT" sz="2400" b="1" dirty="0">
+              <a:latin typeface="Times New Roman" panose="02020603050405020304" pitchFamily="18" charset="0"/>
+              <a:cs typeface="Times New Roman" panose="02020603050405020304" pitchFamily="18" charset="0"/>
+            </a:endParaRPr>
+          </a:p>
+          <a:p>
+            <a:pPr marL="0" indent="0">
+              <a:buNone/>
+            </a:pPr>
+            <a:r>
+              <a:rPr lang="it-IT" sz="2000" dirty="0" err="1">
+                <a:latin typeface="Times New Roman" panose="02020603050405020304" pitchFamily="18" charset="0"/>
+                <a:cs typeface="Times New Roman" panose="02020603050405020304" pitchFamily="18" charset="0"/>
+              </a:rPr>
+              <a:t>Yurong</a:t>
+            </a:r>
+            <a:r>
+              <a:rPr lang="it-IT" sz="2000" dirty="0">
+                <a:latin typeface="Times New Roman" panose="02020603050405020304" pitchFamily="18" charset="0"/>
+                <a:cs typeface="Times New Roman" panose="02020603050405020304" pitchFamily="18" charset="0"/>
+              </a:rPr>
+              <a:t> </a:t>
+            </a:r>
+            <a:r>
+              <a:rPr lang="it-IT" sz="2000" dirty="0" err="1">
+                <a:latin typeface="Times New Roman" panose="02020603050405020304" pitchFamily="18" charset="0"/>
+                <a:cs typeface="Times New Roman" panose="02020603050405020304" pitchFamily="18" charset="0"/>
+              </a:rPr>
+              <a:t>Liu</a:t>
+            </a:r>
+            <a:r>
+              <a:rPr lang="it-IT" sz="2000" dirty="0">
+                <a:latin typeface="Times New Roman" panose="02020603050405020304" pitchFamily="18" charset="0"/>
+                <a:cs typeface="Times New Roman" panose="02020603050405020304" pitchFamily="18" charset="0"/>
+              </a:rPr>
+              <a:t> (</a:t>
+            </a:r>
+            <a:r>
+              <a:rPr lang="it-IT" sz="2000" dirty="0" err="1">
+                <a:latin typeface="Times New Roman" panose="02020603050405020304" pitchFamily="18" charset="0"/>
+                <a:cs typeface="Times New Roman" panose="02020603050405020304" pitchFamily="18" charset="0"/>
+              </a:rPr>
+              <a:t>NewYork</a:t>
+            </a:r>
+            <a:r>
+              <a:rPr lang="it-IT" sz="2000" dirty="0">
+                <a:latin typeface="Times New Roman" panose="02020603050405020304" pitchFamily="18" charset="0"/>
+                <a:cs typeface="Times New Roman" panose="02020603050405020304" pitchFamily="18" charset="0"/>
+              </a:rPr>
+              <a:t> University)</a:t>
+            </a:r>
+          </a:p>
+          <a:p>
+            <a:r>
+              <a:rPr lang="it-IT" sz="2000" dirty="0">
+                <a:latin typeface="Times New Roman" panose="02020603050405020304" pitchFamily="18" charset="0"/>
+                <a:cs typeface="Times New Roman" panose="02020603050405020304" pitchFamily="18" charset="0"/>
+              </a:rPr>
+              <a:t>Eden </a:t>
+            </a:r>
+            <a:r>
+              <a:rPr lang="it-IT" sz="2000" dirty="0" err="1">
+                <a:latin typeface="Times New Roman" panose="02020603050405020304" pitchFamily="18" charset="0"/>
+                <a:cs typeface="Times New Roman" panose="02020603050405020304" pitchFamily="18" charset="0"/>
+              </a:rPr>
+              <a:t>Wu</a:t>
+            </a:r>
+            <a:r>
+              <a:rPr lang="it-IT" sz="2000" dirty="0">
+                <a:latin typeface="Times New Roman" panose="02020603050405020304" pitchFamily="18" charset="0"/>
+                <a:cs typeface="Times New Roman" panose="02020603050405020304" pitchFamily="18" charset="0"/>
+              </a:rPr>
+              <a:t> (</a:t>
+            </a:r>
+            <a:r>
+              <a:rPr lang="it-IT" sz="2000" dirty="0" err="1">
+                <a:latin typeface="Times New Roman" panose="02020603050405020304" pitchFamily="18" charset="0"/>
+                <a:cs typeface="Times New Roman" panose="02020603050405020304" pitchFamily="18" charset="0"/>
+              </a:rPr>
+              <a:t>NewYork</a:t>
+            </a:r>
+            <a:r>
+              <a:rPr lang="it-IT" sz="2000" dirty="0">
+                <a:latin typeface="Times New Roman" panose="02020603050405020304" pitchFamily="18" charset="0"/>
+                <a:cs typeface="Times New Roman" panose="02020603050405020304" pitchFamily="18" charset="0"/>
+              </a:rPr>
+              <a:t> University)</a:t>
+            </a:r>
+          </a:p>
+          <a:p>
+            <a:r>
+              <a:rPr lang="it-IT" sz="2000" dirty="0">
+                <a:latin typeface="Times New Roman" panose="02020603050405020304" pitchFamily="18" charset="0"/>
+                <a:cs typeface="Times New Roman" panose="02020603050405020304" pitchFamily="18" charset="0"/>
+              </a:rPr>
+              <a:t>Juliana Freire (</a:t>
+            </a:r>
+            <a:r>
+              <a:rPr lang="it-IT" sz="2000" dirty="0" err="1">
+                <a:latin typeface="Times New Roman" panose="02020603050405020304" pitchFamily="18" charset="0"/>
+                <a:cs typeface="Times New Roman" panose="02020603050405020304" pitchFamily="18" charset="0"/>
+              </a:rPr>
+              <a:t>NewYork</a:t>
+            </a:r>
+            <a:r>
+              <a:rPr lang="it-IT" sz="2000" dirty="0">
+                <a:latin typeface="Times New Roman" panose="02020603050405020304" pitchFamily="18" charset="0"/>
+                <a:cs typeface="Times New Roman" panose="02020603050405020304" pitchFamily="18" charset="0"/>
+              </a:rPr>
+              <a:t> University)</a:t>
+            </a:r>
+          </a:p>
+          <a:p>
+            <a:r>
+              <a:rPr lang="it-IT" sz="2000" dirty="0" err="1">
+                <a:latin typeface="Times New Roman" panose="02020603050405020304" pitchFamily="18" charset="0"/>
+                <a:cs typeface="Times New Roman" panose="02020603050405020304" pitchFamily="18" charset="0"/>
+              </a:rPr>
+              <a:t>Aécio</a:t>
+            </a:r>
+            <a:r>
+              <a:rPr lang="it-IT" sz="2000" dirty="0">
+                <a:latin typeface="Times New Roman" panose="02020603050405020304" pitchFamily="18" charset="0"/>
+                <a:cs typeface="Times New Roman" panose="02020603050405020304" pitchFamily="18" charset="0"/>
+              </a:rPr>
+              <a:t> Santos (</a:t>
+            </a:r>
+            <a:r>
+              <a:rPr lang="it-IT" sz="2000" dirty="0" err="1">
+                <a:latin typeface="Times New Roman" panose="02020603050405020304" pitchFamily="18" charset="0"/>
+                <a:cs typeface="Times New Roman" panose="02020603050405020304" pitchFamily="18" charset="0"/>
+              </a:rPr>
+              <a:t>NewYork</a:t>
+            </a:r>
+            <a:r>
+              <a:rPr lang="it-IT" sz="2000" dirty="0">
+                <a:latin typeface="Times New Roman" panose="02020603050405020304" pitchFamily="18" charset="0"/>
+                <a:cs typeface="Times New Roman" panose="02020603050405020304" pitchFamily="18" charset="0"/>
+              </a:rPr>
+              <a:t> University)</a:t>
+            </a:r>
+          </a:p>
+          <a:p>
+            <a:r>
+              <a:rPr lang="it-IT" sz="2000" dirty="0">
+                <a:latin typeface="Times New Roman" panose="02020603050405020304" pitchFamily="18" charset="0"/>
+                <a:cs typeface="Times New Roman" panose="02020603050405020304" pitchFamily="18" charset="0"/>
+              </a:rPr>
+              <a:t>Eduardo H. M. Pena (</a:t>
+            </a:r>
+            <a:r>
+              <a:rPr lang="en-US" sz="2000" dirty="0">
+                <a:latin typeface="Times New Roman" panose="02020603050405020304" pitchFamily="18" charset="0"/>
+                <a:cs typeface="Times New Roman" panose="02020603050405020304" pitchFamily="18" charset="0"/>
+              </a:rPr>
+              <a:t>Federal University of Technology Paraná</a:t>
+            </a:r>
+            <a:r>
+              <a:rPr lang="it-IT" sz="2000" dirty="0">
+                <a:latin typeface="Times New Roman" panose="02020603050405020304" pitchFamily="18" charset="0"/>
+                <a:cs typeface="Times New Roman" panose="02020603050405020304" pitchFamily="18" charset="0"/>
+              </a:rPr>
+              <a:t>)</a:t>
+            </a:r>
+          </a:p>
+          <a:p>
+            <a:pPr marL="0" indent="0">
+              <a:buNone/>
+            </a:pPr>
+            <a:endParaRPr lang="it-IT" sz="2000" dirty="0">
               <a:latin typeface="Times New Roman" panose="02020603050405020304" pitchFamily="18" charset="0"/>
               <a:cs typeface="Times New Roman" panose="02020603050405020304" pitchFamily="18" charset="0"/>
             </a:endParaRPr>
@@ -3518,18 +4275,18 @@
           </a:lstStyle>
           <a:p>
             <a:r>
-              <a:rPr lang="it-IT" sz="1800" dirty="0" err="1" smtClean="0"/>
+              <a:rPr lang="it-IT" sz="1800" dirty="0" err="1"/>
               <a:t>HomeWork</a:t>
             </a:r>
             <a:r>
-              <a:rPr lang="it-IT" sz="1800" dirty="0" smtClean="0"/>
+              <a:rPr lang="it-IT" sz="1800" dirty="0"/>
               <a:t> 3</a:t>
             </a:r>
             <a:br>
-              <a:rPr lang="it-IT" sz="1800" dirty="0" smtClean="0"/>
+              <a:rPr lang="it-IT" sz="1800" dirty="0"/>
             </a:br>
             <a:r>
-              <a:rPr lang="it-IT" sz="1800" dirty="0" smtClean="0"/>
+              <a:rPr lang="it-IT" sz="1800" dirty="0"/>
               <a:t>Ingegneria dei Dati</a:t>
             </a:r>
             <a:endParaRPr lang="it-IT" sz="3000" dirty="0"/>
@@ -3701,10 +4458,6 @@
               </a:rPr>
               <a:t> </a:t>
             </a:r>
-            <a:endParaRPr lang="it-IT" dirty="0" smtClean="0">
-              <a:latin typeface="Times New Roman" panose="02020603050405020304" pitchFamily="18" charset="0"/>
-              <a:cs typeface="Times New Roman" panose="02020603050405020304" pitchFamily="18" charset="0"/>
-            </a:endParaRPr>
           </a:p>
           <a:p>
             <a:endParaRPr lang="it-IT" dirty="0">
@@ -3723,72 +4476,66 @@
             </a:r>
           </a:p>
           <a:p>
+            <a:pPr marL="285750" indent="-285750" algn="just">
+              <a:buFont typeface="Arial" panose="020B0604020202020204" pitchFamily="34" charset="0"/>
+              <a:buChar char="•"/>
+            </a:pPr>
+            <a:r>
+              <a:rPr lang="it-IT" dirty="0">
+                <a:latin typeface="Times New Roman" panose="02020603050405020304" pitchFamily="18" charset="0"/>
+                <a:cs typeface="Times New Roman" panose="02020603050405020304" pitchFamily="18" charset="0"/>
+              </a:rPr>
+              <a:t>10 dataset reali biomedici</a:t>
+            </a:r>
+          </a:p>
+          <a:p>
+            <a:pPr marL="285750" indent="-285750" algn="just">
+              <a:buFont typeface="Arial" panose="020B0604020202020204" pitchFamily="34" charset="0"/>
+              <a:buChar char="•"/>
+            </a:pPr>
+            <a:r>
+              <a:rPr lang="it-IT" dirty="0">
+                <a:latin typeface="Times New Roman" panose="02020603050405020304" pitchFamily="18" charset="0"/>
+                <a:cs typeface="Times New Roman" panose="02020603050405020304" pitchFamily="18" charset="0"/>
+              </a:rPr>
+              <a:t>fino a 179 colonne sorgente</a:t>
+            </a:r>
+          </a:p>
+          <a:p>
+            <a:pPr marL="285750" indent="-285750" algn="just">
+              <a:buFont typeface="Arial" panose="020B0604020202020204" pitchFamily="34" charset="0"/>
+              <a:buChar char="•"/>
+            </a:pPr>
+            <a:r>
+              <a:rPr lang="it-IT" dirty="0">
+                <a:latin typeface="Times New Roman" panose="02020603050405020304" pitchFamily="18" charset="0"/>
+                <a:cs typeface="Times New Roman" panose="02020603050405020304" pitchFamily="18" charset="0"/>
+              </a:rPr>
+              <a:t>736 colonne target</a:t>
+            </a:r>
+          </a:p>
+          <a:p>
+            <a:pPr marL="285750" indent="-285750" algn="just">
+              <a:buFont typeface="Arial" panose="020B0604020202020204" pitchFamily="34" charset="0"/>
+              <a:buChar char="•"/>
+            </a:pPr>
+            <a:r>
+              <a:rPr lang="it-IT" dirty="0">
+                <a:latin typeface="Times New Roman" panose="02020603050405020304" pitchFamily="18" charset="0"/>
+                <a:cs typeface="Times New Roman" panose="02020603050405020304" pitchFamily="18" charset="0"/>
+              </a:rPr>
+              <a:t> alta variabilità sintattica e semantica</a:t>
+            </a:r>
+          </a:p>
+          <a:p>
             <a:pPr algn="just"/>
             <a:r>
               <a:rPr lang="it-IT" dirty="0">
                 <a:latin typeface="Times New Roman" panose="02020603050405020304" pitchFamily="18" charset="0"/>
                 <a:cs typeface="Times New Roman" panose="02020603050405020304" pitchFamily="18" charset="0"/>
               </a:rPr>
-              <a:t>•	10 </a:t>
-            </a:r>
-            <a:r>
-              <a:rPr lang="it-IT" dirty="0" err="1">
-                <a:latin typeface="Times New Roman" panose="02020603050405020304" pitchFamily="18" charset="0"/>
-                <a:cs typeface="Times New Roman" panose="02020603050405020304" pitchFamily="18" charset="0"/>
-              </a:rPr>
-              <a:t>dataset</a:t>
-            </a:r>
-            <a:r>
-              <a:rPr lang="it-IT" dirty="0">
-                <a:latin typeface="Times New Roman" panose="02020603050405020304" pitchFamily="18" charset="0"/>
-                <a:cs typeface="Times New Roman" panose="02020603050405020304" pitchFamily="18" charset="0"/>
-              </a:rPr>
-              <a:t> reali biomedici</a:t>
-            </a:r>
-          </a:p>
-          <a:p>
-            <a:pPr algn="just"/>
-            <a:r>
-              <a:rPr lang="it-IT" dirty="0">
-                <a:latin typeface="Times New Roman" panose="02020603050405020304" pitchFamily="18" charset="0"/>
-                <a:cs typeface="Times New Roman" panose="02020603050405020304" pitchFamily="18" charset="0"/>
-              </a:rPr>
-              <a:t>•	fino a 179 colonne sorgente</a:t>
-            </a:r>
-          </a:p>
-          <a:p>
-            <a:pPr algn="just"/>
-            <a:r>
-              <a:rPr lang="it-IT" dirty="0">
-                <a:latin typeface="Times New Roman" panose="02020603050405020304" pitchFamily="18" charset="0"/>
-                <a:cs typeface="Times New Roman" panose="02020603050405020304" pitchFamily="18" charset="0"/>
-              </a:rPr>
-              <a:t>•	736 colonne target</a:t>
-            </a:r>
-          </a:p>
-          <a:p>
-            <a:pPr algn="just"/>
-            <a:r>
-              <a:rPr lang="it-IT" dirty="0">
-                <a:latin typeface="Times New Roman" panose="02020603050405020304" pitchFamily="18" charset="0"/>
-                <a:cs typeface="Times New Roman" panose="02020603050405020304" pitchFamily="18" charset="0"/>
-              </a:rPr>
-              <a:t>•	alta variabilità sintattica e semantica</a:t>
-            </a:r>
-          </a:p>
-          <a:p>
-            <a:pPr algn="just"/>
-            <a:r>
-              <a:rPr lang="it-IT" dirty="0">
-                <a:latin typeface="Times New Roman" panose="02020603050405020304" pitchFamily="18" charset="0"/>
-                <a:cs typeface="Times New Roman" panose="02020603050405020304" pitchFamily="18" charset="0"/>
-              </a:rPr>
               <a:t>A differenza dei benchmark esistenti, questo non è “saturato” e mette realmente alla prova gli algoritmi.</a:t>
             </a:r>
-            <a:endParaRPr lang="it-IT" dirty="0" smtClean="0">
-              <a:latin typeface="Times New Roman" panose="02020603050405020304" pitchFamily="18" charset="0"/>
-              <a:cs typeface="Times New Roman" panose="02020603050405020304" pitchFamily="18" charset="0"/>
-            </a:endParaRPr>
           </a:p>
         </p:txBody>
       </p:sp>
@@ -4084,18 +4831,18 @@
           </a:lstStyle>
           <a:p>
             <a:r>
-              <a:rPr lang="it-IT" sz="1800" dirty="0" err="1" smtClean="0"/>
+              <a:rPr lang="it-IT" sz="1800" dirty="0" err="1"/>
               <a:t>HomeWork</a:t>
             </a:r>
             <a:r>
-              <a:rPr lang="it-IT" sz="1800" dirty="0" smtClean="0"/>
+              <a:rPr lang="it-IT" sz="1800" dirty="0"/>
               <a:t> 3</a:t>
             </a:r>
             <a:br>
-              <a:rPr lang="it-IT" sz="1800" dirty="0" smtClean="0"/>
+              <a:rPr lang="it-IT" sz="1800" dirty="0"/>
             </a:br>
             <a:r>
-              <a:rPr lang="it-IT" sz="1800" dirty="0" smtClean="0"/>
+              <a:rPr lang="it-IT" sz="1800" dirty="0"/>
               <a:t>Ingegneria dei Dati</a:t>
             </a:r>
             <a:endParaRPr lang="it-IT" sz="3000" dirty="0"/>
@@ -4233,8 +4980,8 @@
         </p:nvSpPr>
         <p:spPr>
           <a:xfrm>
-            <a:off x="395536" y="2274838"/>
-            <a:ext cx="8352928" cy="1938992"/>
+            <a:off x="392483" y="2074740"/>
+            <a:ext cx="5115621" cy="1785104"/>
           </a:xfrm>
           <a:prstGeom prst="rect">
             <a:avLst/>
@@ -4251,72 +4998,27 @@
                 <a:latin typeface="Times New Roman" panose="02020603050405020304" pitchFamily="18" charset="0"/>
                 <a:cs typeface="Times New Roman" panose="02020603050405020304" pitchFamily="18" charset="0"/>
               </a:rPr>
-              <a:t>Compromesso tra accuratezza e </a:t>
-            </a:r>
-            <a:r>
-              <a:rPr lang="it-IT" sz="2000" b="1" dirty="0" smtClean="0">
-                <a:latin typeface="Times New Roman" panose="02020603050405020304" pitchFamily="18" charset="0"/>
-                <a:cs typeface="Times New Roman" panose="02020603050405020304" pitchFamily="18" charset="0"/>
-              </a:rPr>
-              <a:t>costo</a:t>
+              <a:t>Compromesso tra accuratezza e costo</a:t>
             </a:r>
           </a:p>
           <a:p>
             <a:pPr algn="just"/>
-            <a:endParaRPr lang="it-IT" sz="2000" b="1" dirty="0">
-              <a:latin typeface="Times New Roman" panose="02020603050405020304" pitchFamily="18" charset="0"/>
-              <a:cs typeface="Times New Roman" panose="02020603050405020304" pitchFamily="18" charset="0"/>
-            </a:endParaRPr>
-          </a:p>
-          <a:p>
-            <a:pPr algn="just"/>
-            <a:r>
-              <a:rPr lang="it-IT" sz="2000" dirty="0">
-                <a:latin typeface="Times New Roman" panose="02020603050405020304" pitchFamily="18" charset="0"/>
-                <a:cs typeface="Times New Roman" panose="02020603050405020304" pitchFamily="18" charset="0"/>
-              </a:rPr>
-              <a:t>Uno dei contributi chiave dell’articolo è dimostrare che è possibile ottenere alta accuratezza senza costi proibitivi, usando gli LLM solo dove necessario.</a:t>
-            </a:r>
-          </a:p>
-          <a:p>
-            <a:pPr algn="just"/>
-            <a:r>
-              <a:rPr lang="it-IT" sz="2000" dirty="0" err="1">
-                <a:latin typeface="Times New Roman" panose="02020603050405020304" pitchFamily="18" charset="0"/>
-                <a:cs typeface="Times New Roman" panose="02020603050405020304" pitchFamily="18" charset="0"/>
-              </a:rPr>
-              <a:t>Magneto</a:t>
-            </a:r>
-            <a:r>
-              <a:rPr lang="it-IT" sz="2000" dirty="0">
-                <a:latin typeface="Times New Roman" panose="02020603050405020304" pitchFamily="18" charset="0"/>
-                <a:cs typeface="Times New Roman" panose="02020603050405020304" pitchFamily="18" charset="0"/>
-              </a:rPr>
-              <a:t> riesce a posizionarsi in una zona ottimale del </a:t>
-            </a:r>
-            <a:r>
-              <a:rPr lang="it-IT" sz="2000" dirty="0" err="1">
-                <a:latin typeface="Times New Roman" panose="02020603050405020304" pitchFamily="18" charset="0"/>
-                <a:cs typeface="Times New Roman" panose="02020603050405020304" pitchFamily="18" charset="0"/>
-              </a:rPr>
-              <a:t>trade</a:t>
-            </a:r>
-            <a:r>
-              <a:rPr lang="it-IT" sz="2000" dirty="0">
-                <a:latin typeface="Times New Roman" panose="02020603050405020304" pitchFamily="18" charset="0"/>
-                <a:cs typeface="Times New Roman" panose="02020603050405020304" pitchFamily="18" charset="0"/>
-              </a:rPr>
-              <a:t>-off tra </a:t>
-            </a:r>
-            <a:r>
-              <a:rPr lang="it-IT" sz="2000" dirty="0" err="1">
+            <a:r>
+              <a:rPr lang="it-IT" dirty="0">
+                <a:latin typeface="Times New Roman" panose="02020603050405020304" pitchFamily="18" charset="0"/>
+                <a:cs typeface="Times New Roman" panose="02020603050405020304" pitchFamily="18" charset="0"/>
+              </a:rPr>
+              <a:t>Uno dei contributi chiave dell’articolo è dimostrare che è possibile ottenere alta accuratezza senza costi proibitivi, usando gli LLM solo dove necessario. Magneto riesce a posizionarsi in una zona ottimale del trade-off tra </a:t>
+            </a:r>
+            <a:r>
+              <a:rPr lang="it-IT" dirty="0" err="1">
                 <a:latin typeface="Times New Roman" panose="02020603050405020304" pitchFamily="18" charset="0"/>
                 <a:cs typeface="Times New Roman" panose="02020603050405020304" pitchFamily="18" charset="0"/>
               </a:rPr>
               <a:t>runtime</a:t>
             </a:r>
             <a:r>
-              <a:rPr lang="it-IT" sz="2000" dirty="0">
+              <a:rPr lang="it-IT" dirty="0">
                 <a:latin typeface="Times New Roman" panose="02020603050405020304" pitchFamily="18" charset="0"/>
                 <a:cs typeface="Times New Roman" panose="02020603050405020304" pitchFamily="18" charset="0"/>
               </a:rPr>
@@ -4325,6 +5027,66 @@
           </a:p>
         </p:txBody>
       </p:sp>
+      <p:pic>
+        <p:nvPicPr>
+          <p:cNvPr id="9" name="Immagine 8" descr="Immagine che contiene testo, schermata, diagramma, Diagramma&#10;&#10;Il contenuto generato dall'IA potrebbe non essere corretto.">
+            <a:extLst>
+              <a:ext uri="{FF2B5EF4-FFF2-40B4-BE49-F238E27FC236}">
+                <a16:creationId xmlns:a16="http://schemas.microsoft.com/office/drawing/2014/main" id="{7FA65F39-B03D-3B0A-B5C0-A23B778C0655}"/>
+              </a:ext>
+            </a:extLst>
+          </p:cNvPr>
+          <p:cNvPicPr>
+            <a:picLocks noChangeAspect="1"/>
+          </p:cNvPicPr>
+          <p:nvPr/>
+        </p:nvPicPr>
+        <p:blipFill>
+          <a:blip r:embed="rId3"/>
+          <a:stretch>
+            <a:fillRect/>
+          </a:stretch>
+        </p:blipFill>
+        <p:spPr>
+          <a:xfrm>
+            <a:off x="392483" y="3878657"/>
+            <a:ext cx="3635091" cy="2784326"/>
+          </a:xfrm>
+          <a:prstGeom prst="rect">
+            <a:avLst/>
+          </a:prstGeom>
+        </p:spPr>
+      </p:pic>
+      <p:pic>
+        <p:nvPicPr>
+          <p:cNvPr id="10" name="Immagine 9" descr="Immagine che contiene schermata, testo, diagramma, Parallelo&#10;&#10;Il contenuto generato dall'IA potrebbe non essere corretto.">
+            <a:extLst>
+              <a:ext uri="{FF2B5EF4-FFF2-40B4-BE49-F238E27FC236}">
+                <a16:creationId xmlns:a16="http://schemas.microsoft.com/office/drawing/2014/main" id="{AF30FBD1-6D46-8AE5-98DA-A7F83C10C82F}"/>
+              </a:ext>
+            </a:extLst>
+          </p:cNvPr>
+          <p:cNvPicPr>
+            <a:picLocks noChangeAspect="1"/>
+          </p:cNvPicPr>
+          <p:nvPr/>
+        </p:nvPicPr>
+        <p:blipFill>
+          <a:blip r:embed="rId4"/>
+          <a:stretch>
+            <a:fillRect/>
+          </a:stretch>
+        </p:blipFill>
+        <p:spPr>
+          <a:xfrm>
+            <a:off x="5528648" y="2034462"/>
+            <a:ext cx="3491732" cy="4592067"/>
+          </a:xfrm>
+          <a:prstGeom prst="rect">
+            <a:avLst/>
+          </a:prstGeom>
+        </p:spPr>
+      </p:pic>
     </p:spTree>
     <p:extLst>
       <p:ext uri="{BB962C8B-B14F-4D97-AF65-F5344CB8AC3E}">
@@ -4488,18 +5250,18 @@
           </a:lstStyle>
           <a:p>
             <a:r>
-              <a:rPr lang="it-IT" sz="1800" dirty="0" err="1" smtClean="0"/>
+              <a:rPr lang="it-IT" sz="1800" dirty="0" err="1"/>
               <a:t>HomeWork</a:t>
             </a:r>
             <a:r>
-              <a:rPr lang="it-IT" sz="1800" dirty="0" smtClean="0"/>
+              <a:rPr lang="it-IT" sz="1800" dirty="0"/>
               <a:t> 3</a:t>
             </a:r>
             <a:br>
-              <a:rPr lang="it-IT" sz="1800" dirty="0" smtClean="0"/>
+              <a:rPr lang="it-IT" sz="1800" dirty="0"/>
             </a:br>
             <a:r>
-              <a:rPr lang="it-IT" sz="1800" dirty="0" smtClean="0"/>
+              <a:rPr lang="it-IT" sz="1800" dirty="0"/>
               <a:t>Ingegneria dei Dati</a:t>
             </a:r>
             <a:endParaRPr lang="it-IT" sz="3000" dirty="0"/>
@@ -4673,42 +5435,11 @@
               <a:t>matching</a:t>
             </a:r>
             <a:r>
-              <a:rPr lang="it-IT" dirty="0" smtClean="0">
+              <a:rPr lang="it-IT" dirty="0">
                 <a:latin typeface="Times New Roman" panose="02020603050405020304" pitchFamily="18" charset="0"/>
                 <a:cs typeface="Times New Roman" panose="02020603050405020304" pitchFamily="18" charset="0"/>
               </a:rPr>
               <a:t>,</a:t>
-            </a:r>
-          </a:p>
-          <a:p>
-            <a:pPr algn="just"/>
-            <a:endParaRPr lang="it-IT" dirty="0" smtClean="0">
-              <a:latin typeface="Times New Roman" panose="02020603050405020304" pitchFamily="18" charset="0"/>
-              <a:cs typeface="Times New Roman" panose="02020603050405020304" pitchFamily="18" charset="0"/>
-            </a:endParaRPr>
-          </a:p>
-          <a:p>
-            <a:pPr algn="just"/>
-            <a:r>
-              <a:rPr lang="it-IT" dirty="0" smtClean="0">
-                <a:latin typeface="Times New Roman" panose="02020603050405020304" pitchFamily="18" charset="0"/>
-                <a:cs typeface="Times New Roman" panose="02020603050405020304" pitchFamily="18" charset="0"/>
-              </a:rPr>
-              <a:t>dimostrando </a:t>
-            </a:r>
-            <a:r>
-              <a:rPr lang="it-IT" dirty="0">
-                <a:latin typeface="Times New Roman" panose="02020603050405020304" pitchFamily="18" charset="0"/>
-                <a:cs typeface="Times New Roman" panose="02020603050405020304" pitchFamily="18" charset="0"/>
-              </a:rPr>
-              <a:t>che la combinazione intelligente di SLM e LLM può superare i limiti di entrambi</a:t>
-            </a:r>
-            <a:r>
-              <a:rPr lang="it-IT" dirty="0" smtClean="0">
-                <a:latin typeface="Times New Roman" panose="02020603050405020304" pitchFamily="18" charset="0"/>
-                <a:cs typeface="Times New Roman" panose="02020603050405020304" pitchFamily="18" charset="0"/>
-              </a:rPr>
-              <a:t>.</a:t>
             </a:r>
           </a:p>
           <a:p>
@@ -4725,19 +5456,12 @@
                 <a:latin typeface="Times New Roman" panose="02020603050405020304" pitchFamily="18" charset="0"/>
                 <a:cs typeface="Times New Roman" panose="02020603050405020304" pitchFamily="18" charset="0"/>
               </a:rPr>
-              <a:t>L’uso degli LLM per generare dati di training, la pipeline a due fasi, le tecniche di serializzazione e il nuovo benchmark rendono questo lavoro particolarmente rilevante per applicazioni reali di integrazione dei dati, specialmente in domini complessi come quello biomedico</a:t>
-            </a:r>
-            <a:r>
-              <a:rPr lang="it-IT" dirty="0" smtClean="0">
-                <a:latin typeface="Times New Roman" panose="02020603050405020304" pitchFamily="18" charset="0"/>
-                <a:cs typeface="Times New Roman" panose="02020603050405020304" pitchFamily="18" charset="0"/>
-              </a:rPr>
-              <a:t>.</a:t>
+              <a:t>dimostrando che la combinazione intelligente di SLM e LLM può superare i limiti di entrambi.</a:t>
             </a:r>
           </a:p>
           <a:p>
             <a:pPr algn="just"/>
-            <a:endParaRPr lang="it-IT" dirty="0" smtClean="0">
+            <a:endParaRPr lang="it-IT" dirty="0">
               <a:latin typeface="Times New Roman" panose="02020603050405020304" pitchFamily="18" charset="0"/>
               <a:cs typeface="Times New Roman" panose="02020603050405020304" pitchFamily="18" charset="0"/>
             </a:endParaRPr>
@@ -4749,35 +5473,24 @@
                 <a:latin typeface="Times New Roman" panose="02020603050405020304" pitchFamily="18" charset="0"/>
                 <a:cs typeface="Times New Roman" panose="02020603050405020304" pitchFamily="18" charset="0"/>
               </a:rPr>
-              <a:t>Gli LLM non sostituiscono gli algoritmi tradizionali</a:t>
-            </a:r>
-            <a:r>
-              <a:rPr lang="it-IT" dirty="0" smtClean="0">
-                <a:latin typeface="Times New Roman" panose="02020603050405020304" pitchFamily="18" charset="0"/>
-                <a:cs typeface="Times New Roman" panose="02020603050405020304" pitchFamily="18" charset="0"/>
-              </a:rPr>
-              <a:t>. Li </a:t>
-            </a:r>
+              <a:t>L’uso degli LLM per generare dati di training, la pipeline a due fasi, le tecniche di serializzazione e il nuovo benchmark rendono questo lavoro particolarmente rilevante per applicazioni reali di integrazione dei dati, specialmente in domini complessi come quello biomedico.</a:t>
+            </a:r>
+          </a:p>
+          <a:p>
+            <a:pPr algn="just"/>
+            <a:endParaRPr lang="it-IT" dirty="0">
+              <a:latin typeface="Times New Roman" panose="02020603050405020304" pitchFamily="18" charset="0"/>
+              <a:cs typeface="Times New Roman" panose="02020603050405020304" pitchFamily="18" charset="0"/>
+            </a:endParaRPr>
+          </a:p>
+          <a:p>
+            <a:pPr algn="just"/>
             <a:r>
               <a:rPr lang="it-IT" dirty="0">
                 <a:latin typeface="Times New Roman" panose="02020603050405020304" pitchFamily="18" charset="0"/>
                 <a:cs typeface="Times New Roman" panose="02020603050405020304" pitchFamily="18" charset="0"/>
               </a:rPr>
-              <a:t>potenziano quando usati nel punto giusto della pipeline</a:t>
-            </a:r>
-            <a:r>
-              <a:rPr lang="it-IT" dirty="0" smtClean="0">
-                <a:latin typeface="Times New Roman" panose="02020603050405020304" pitchFamily="18" charset="0"/>
-                <a:cs typeface="Times New Roman" panose="02020603050405020304" pitchFamily="18" charset="0"/>
-              </a:rPr>
-              <a:t>. Questa </a:t>
-            </a:r>
-            <a:r>
-              <a:rPr lang="it-IT" dirty="0">
-                <a:latin typeface="Times New Roman" panose="02020603050405020304" pitchFamily="18" charset="0"/>
-                <a:cs typeface="Times New Roman" panose="02020603050405020304" pitchFamily="18" charset="0"/>
-              </a:rPr>
-              <a:t>è l’idea centrale dell’articolo.</a:t>
+              <a:t>Gli LLM non sostituiscono gli algoritmi tradizionali. Li potenziano quando usati nel punto giusto della pipeline. Questa è l’idea centrale dell’articolo.</a:t>
             </a:r>
           </a:p>
           <a:p>
@@ -4949,18 +5662,18 @@
           </a:lstStyle>
           <a:p>
             <a:r>
-              <a:rPr lang="it-IT" sz="1800" dirty="0" err="1" smtClean="0"/>
+              <a:rPr lang="it-IT" sz="1800" dirty="0" err="1"/>
               <a:t>HomeWork</a:t>
             </a:r>
             <a:r>
-              <a:rPr lang="it-IT" sz="1800" dirty="0" smtClean="0"/>
+              <a:rPr lang="it-IT" sz="1800" dirty="0"/>
               <a:t> 3</a:t>
             </a:r>
             <a:br>
-              <a:rPr lang="it-IT" sz="1800" dirty="0" smtClean="0"/>
+              <a:rPr lang="it-IT" sz="1800" dirty="0"/>
             </a:br>
             <a:r>
-              <a:rPr lang="it-IT" sz="1800" dirty="0" smtClean="0"/>
+              <a:rPr lang="it-IT" sz="1800" dirty="0"/>
               <a:t>Ingegneria dei Dati</a:t>
             </a:r>
             <a:endParaRPr lang="it-IT" sz="3000" dirty="0"/>
@@ -5126,7 +5839,7 @@
               <a:t>Matching</a:t>
             </a:r>
             <a:r>
-              <a:rPr lang="it-IT" sz="2000" b="1" dirty="0" smtClean="0">
+              <a:rPr lang="it-IT" sz="2000" b="1" dirty="0">
                 <a:latin typeface="Times New Roman" panose="02020603050405020304" pitchFamily="18" charset="0"/>
                 <a:cs typeface="Times New Roman" panose="02020603050405020304" pitchFamily="18" charset="0"/>
               </a:rPr>
@@ -5134,25 +5847,18 @@
             </a:r>
           </a:p>
           <a:p>
-            <a:endParaRPr lang="it-IT" dirty="0" smtClean="0"/>
-          </a:p>
-          <a:p>
-            <a:r>
-              <a:rPr lang="it-IT" dirty="0" smtClean="0">
-                <a:latin typeface="Times New Roman" panose="02020603050405020304" pitchFamily="18" charset="0"/>
-                <a:cs typeface="Times New Roman" panose="02020603050405020304" pitchFamily="18" charset="0"/>
-              </a:rPr>
-              <a:t>Cos’è </a:t>
-            </a:r>
+            <a:endParaRPr lang="it-IT" dirty="0"/>
+          </a:p>
+          <a:p>
             <a:r>
               <a:rPr lang="it-IT" dirty="0">
                 <a:latin typeface="Times New Roman" panose="02020603050405020304" pitchFamily="18" charset="0"/>
                 <a:cs typeface="Times New Roman" panose="02020603050405020304" pitchFamily="18" charset="0"/>
               </a:rPr>
-              <a:t>lo schema </a:t>
-            </a:r>
-            <a:r>
-              <a:rPr lang="it-IT" dirty="0" err="1" smtClean="0">
+              <a:t>Cos’è lo schema </a:t>
+            </a:r>
+            <a:r>
+              <a:rPr lang="it-IT" dirty="0" err="1">
                 <a:latin typeface="Times New Roman" panose="02020603050405020304" pitchFamily="18" charset="0"/>
                 <a:cs typeface="Times New Roman" panose="02020603050405020304" pitchFamily="18" charset="0"/>
               </a:rPr>
@@ -5223,21 +5929,7 @@
                 <a:latin typeface="Times New Roman" panose="02020603050405020304" pitchFamily="18" charset="0"/>
                 <a:cs typeface="Times New Roman" panose="02020603050405020304" pitchFamily="18" charset="0"/>
               </a:rPr>
-              <a:t> rappresenta uno dei problemi fondamentali nell’ambito dell’integrazione dei dati. Ogni volta che si desidera combinare informazioni provenienti da sorgenti eterogenee, diventa necessario stabilire quali attributi di una tabella corrispondano semanticamente agli attributi di un’altra. </a:t>
-            </a:r>
-            <a:r>
-              <a:rPr lang="it-IT" dirty="0" smtClean="0">
-                <a:latin typeface="Times New Roman" panose="02020603050405020304" pitchFamily="18" charset="0"/>
-                <a:cs typeface="Times New Roman" panose="02020603050405020304" pitchFamily="18" charset="0"/>
-              </a:rPr>
-              <a:t>Specialmente </a:t>
-            </a:r>
-            <a:r>
-              <a:rPr lang="it-IT" dirty="0">
-                <a:latin typeface="Times New Roman" panose="02020603050405020304" pitchFamily="18" charset="0"/>
-                <a:cs typeface="Times New Roman" panose="02020603050405020304" pitchFamily="18" charset="0"/>
-              </a:rPr>
-              <a:t>quando i dati provengono da contesti reali, rumorosi e semanticamente complessi</a:t>
+              <a:t> rappresenta uno dei problemi fondamentali nell’ambito dell’integrazione dei dati. Ogni volta che si desidera combinare informazioni provenienti da sorgenti eterogenee, diventa necessario stabilire quali attributi di una tabella corrispondano semanticamente agli attributi di un’altra. Specialmente quando i dati provengono da contesti reali, rumorosi e semanticamente complessi</a:t>
             </a:r>
           </a:p>
         </p:txBody>
@@ -5405,18 +6097,18 @@
           </a:lstStyle>
           <a:p>
             <a:r>
-              <a:rPr lang="it-IT" sz="1800" dirty="0" err="1" smtClean="0"/>
+              <a:rPr lang="it-IT" sz="1800" dirty="0" err="1"/>
               <a:t>HomeWork</a:t>
             </a:r>
             <a:r>
-              <a:rPr lang="it-IT" sz="1800" dirty="0" smtClean="0"/>
+              <a:rPr lang="it-IT" sz="1800" dirty="0"/>
               <a:t> 3</a:t>
             </a:r>
             <a:br>
-              <a:rPr lang="it-IT" sz="1800" dirty="0" smtClean="0"/>
+              <a:rPr lang="it-IT" sz="1800" dirty="0"/>
             </a:br>
             <a:r>
-              <a:rPr lang="it-IT" sz="1800" dirty="0" smtClean="0"/>
+              <a:rPr lang="it-IT" sz="1800" dirty="0"/>
               <a:t>Ingegneria dei Dati</a:t>
             </a:r>
             <a:endParaRPr lang="it-IT" sz="3000" dirty="0"/>
@@ -5586,7 +6278,7 @@
         <p:spPr>
           <a:xfrm>
             <a:off x="147296" y="2924944"/>
-            <a:ext cx="8673175" cy="923330"/>
+            <a:ext cx="8673175" cy="2031325"/>
           </a:xfrm>
           <a:prstGeom prst="rect">
             <a:avLst/>
@@ -5604,49 +6296,82 @@
                 <a:latin typeface="Times New Roman" panose="02020603050405020304" pitchFamily="18" charset="0"/>
                 <a:cs typeface="Times New Roman" panose="02020603050405020304" pitchFamily="18" charset="0"/>
               </a:rPr>
-              <a:t>Perché è difficile nei dati </a:t>
-            </a:r>
-            <a:r>
-              <a:rPr lang="it-IT" dirty="0" err="1">
-                <a:latin typeface="Times New Roman" panose="02020603050405020304" pitchFamily="18" charset="0"/>
-                <a:cs typeface="Times New Roman" panose="02020603050405020304" pitchFamily="18" charset="0"/>
-              </a:rPr>
-              <a:t>realiCaso</a:t>
-            </a:r>
+              <a:t>Perché è difficile nei dati reali?</a:t>
+            </a:r>
+          </a:p>
+          <a:p>
+            <a:pPr algn="just"/>
             <a:r>
               <a:rPr lang="it-IT" dirty="0">
                 <a:latin typeface="Times New Roman" panose="02020603050405020304" pitchFamily="18" charset="0"/>
                 <a:cs typeface="Times New Roman" panose="02020603050405020304" pitchFamily="18" charset="0"/>
               </a:rPr>
-              <a:t> reale dall’articolo (dominio biomedico):10 dataset700+ attributi standard (GDC)Colonne con nomi </a:t>
-            </a:r>
-            <a:r>
-              <a:rPr lang="it-IT" dirty="0" err="1">
-                <a:latin typeface="Times New Roman" panose="02020603050405020304" pitchFamily="18" charset="0"/>
-                <a:cs typeface="Times New Roman" panose="02020603050405020304" pitchFamily="18" charset="0"/>
-              </a:rPr>
-              <a:t>ambiguiNecessaria</a:t>
-            </a:r>
+              <a:t>Caso reale dall’articolo (dominio biomedico):</a:t>
+            </a:r>
+          </a:p>
+          <a:p>
+            <a:pPr marL="285750" indent="-285750" algn="just">
+              <a:buFont typeface="Arial" panose="020B0604020202020204" pitchFamily="34" charset="0"/>
+              <a:buChar char="•"/>
+            </a:pPr>
             <a:r>
               <a:rPr lang="it-IT" dirty="0">
                 <a:latin typeface="Times New Roman" panose="02020603050405020304" pitchFamily="18" charset="0"/>
                 <a:cs typeface="Times New Roman" panose="02020603050405020304" pitchFamily="18" charset="0"/>
               </a:rPr>
-              <a:t> conoscenza di </a:t>
-            </a:r>
-            <a:r>
-              <a:rPr lang="it-IT" dirty="0" err="1">
-                <a:latin typeface="Times New Roman" panose="02020603050405020304" pitchFamily="18" charset="0"/>
-                <a:cs typeface="Times New Roman" panose="02020603050405020304" pitchFamily="18" charset="0"/>
-              </a:rPr>
-              <a:t>dominioMetodi</a:t>
-            </a:r>
+              <a:t>10 dataset</a:t>
+            </a:r>
+          </a:p>
+          <a:p>
+            <a:pPr marL="285750" indent="-285750" algn="just">
+              <a:buFont typeface="Arial" panose="020B0604020202020204" pitchFamily="34" charset="0"/>
+              <a:buChar char="•"/>
+            </a:pPr>
             <a:r>
               <a:rPr lang="it-IT" dirty="0">
                 <a:latin typeface="Times New Roman" panose="02020603050405020304" pitchFamily="18" charset="0"/>
                 <a:cs typeface="Times New Roman" panose="02020603050405020304" pitchFamily="18" charset="0"/>
               </a:rPr>
-              <a:t> classici (stringhe, regole, grafi) → falliscono.</a:t>
+              <a:t>700+ attributi standard</a:t>
+            </a:r>
+          </a:p>
+          <a:p>
+            <a:pPr marL="285750" indent="-285750" algn="just">
+              <a:buFont typeface="Arial" panose="020B0604020202020204" pitchFamily="34" charset="0"/>
+              <a:buChar char="•"/>
+            </a:pPr>
+            <a:r>
+              <a:rPr lang="it-IT" dirty="0">
+                <a:latin typeface="Times New Roman" panose="02020603050405020304" pitchFamily="18" charset="0"/>
+                <a:cs typeface="Times New Roman" panose="02020603050405020304" pitchFamily="18" charset="0"/>
+              </a:rPr>
+              <a:t>Colonne con nomi ambigui</a:t>
+            </a:r>
+          </a:p>
+          <a:p>
+            <a:pPr marL="285750" indent="-285750" algn="just">
+              <a:buFont typeface="Arial" panose="020B0604020202020204" pitchFamily="34" charset="0"/>
+              <a:buChar char="•"/>
+            </a:pPr>
+            <a:r>
+              <a:rPr lang="it-IT" dirty="0">
+                <a:latin typeface="Times New Roman" panose="02020603050405020304" pitchFamily="18" charset="0"/>
+                <a:cs typeface="Times New Roman" panose="02020603050405020304" pitchFamily="18" charset="0"/>
+              </a:rPr>
+              <a:t>Necessaria conoscenza di dominio</a:t>
+            </a:r>
+          </a:p>
+          <a:p>
+            <a:pPr marL="285750" indent="-285750" algn="just">
+              <a:buFont typeface="Arial" panose="020B0604020202020204" pitchFamily="34" charset="0"/>
+              <a:buChar char="•"/>
+            </a:pPr>
+            <a:r>
+              <a:rPr lang="it-IT" dirty="0">
+                <a:latin typeface="Times New Roman" panose="02020603050405020304" pitchFamily="18" charset="0"/>
+                <a:cs typeface="Times New Roman" panose="02020603050405020304" pitchFamily="18" charset="0"/>
+              </a:rPr>
+              <a:t>Metodi classici (stringhe, regole, grafi) → falliscono.</a:t>
             </a:r>
           </a:p>
         </p:txBody>
@@ -5659,7 +6384,7 @@
         </p:nvSpPr>
         <p:spPr>
           <a:xfrm>
-            <a:off x="147297" y="4293096"/>
+            <a:off x="147297" y="4999240"/>
             <a:ext cx="8673174" cy="1200329"/>
           </a:xfrm>
           <a:prstGeom prst="rect">
@@ -5944,18 +6669,18 @@
           </a:lstStyle>
           <a:p>
             <a:r>
-              <a:rPr lang="it-IT" sz="1800" dirty="0" err="1" smtClean="0"/>
+              <a:rPr lang="it-IT" sz="1800" dirty="0" err="1"/>
               <a:t>HomeWork</a:t>
             </a:r>
             <a:r>
-              <a:rPr lang="it-IT" sz="1800" dirty="0" smtClean="0"/>
+              <a:rPr lang="it-IT" sz="1800" dirty="0"/>
               <a:t> 3</a:t>
             </a:r>
             <a:br>
-              <a:rPr lang="it-IT" sz="1800" dirty="0" smtClean="0"/>
+              <a:rPr lang="it-IT" sz="1800" dirty="0"/>
             </a:br>
             <a:r>
-              <a:rPr lang="it-IT" sz="1800" dirty="0" smtClean="0"/>
+              <a:rPr lang="it-IT" sz="1800" dirty="0"/>
               <a:t>Ingegneria dei Dati</a:t>
             </a:r>
             <a:endParaRPr lang="it-IT" sz="3000" dirty="0"/>
@@ -6094,7 +6819,7 @@
         <p:spPr>
           <a:xfrm>
             <a:off x="251520" y="2132856"/>
-            <a:ext cx="8496944" cy="2616101"/>
+            <a:ext cx="8496944" cy="2893100"/>
           </a:xfrm>
           <a:prstGeom prst="rect">
             <a:avLst/>
@@ -6115,20 +6840,20 @@
               <a:t>Perché usare i Language </a:t>
             </a:r>
             <a:r>
-              <a:rPr lang="it-IT" sz="2000" b="1" dirty="0" err="1" smtClean="0">
+              <a:rPr lang="it-IT" sz="2000" b="1" dirty="0" err="1">
                 <a:latin typeface="Times New Roman" panose="02020603050405020304" pitchFamily="18" charset="0"/>
                 <a:cs typeface="Times New Roman" panose="02020603050405020304" pitchFamily="18" charset="0"/>
               </a:rPr>
               <a:t>Models</a:t>
             </a:r>
-            <a:endParaRPr lang="it-IT" sz="2000" b="1" dirty="0" smtClean="0">
+            <a:endParaRPr lang="it-IT" sz="2000" b="1" dirty="0">
               <a:latin typeface="Times New Roman" panose="02020603050405020304" pitchFamily="18" charset="0"/>
               <a:cs typeface="Times New Roman" panose="02020603050405020304" pitchFamily="18" charset="0"/>
             </a:endParaRPr>
           </a:p>
           <a:p>
             <a:pPr algn="just"/>
-            <a:endParaRPr lang="it-IT" dirty="0" smtClean="0">
+            <a:endParaRPr lang="it-IT" dirty="0">
               <a:latin typeface="Times New Roman" panose="02020603050405020304" pitchFamily="18" charset="0"/>
               <a:cs typeface="Times New Roman" panose="02020603050405020304" pitchFamily="18" charset="0"/>
             </a:endParaRPr>
@@ -6136,18 +6861,11 @@
           <a:p>
             <a:pPr algn="just"/>
             <a:r>
-              <a:rPr lang="it-IT" dirty="0" smtClean="0">
-                <a:latin typeface="Times New Roman" panose="02020603050405020304" pitchFamily="18" charset="0"/>
-                <a:cs typeface="Times New Roman" panose="02020603050405020304" pitchFamily="18" charset="0"/>
-              </a:rPr>
-              <a:t>Gli </a:t>
-            </a:r>
-            <a:r>
               <a:rPr lang="it-IT" dirty="0">
                 <a:latin typeface="Times New Roman" panose="02020603050405020304" pitchFamily="18" charset="0"/>
                 <a:cs typeface="Times New Roman" panose="02020603050405020304" pitchFamily="18" charset="0"/>
               </a:rPr>
-              <a:t>LLM/SLM rappresentano il testo come vettori semantici (</a:t>
+              <a:t>Gli LLM/SLM rappresentano il testo come vettori semantici (</a:t>
             </a:r>
             <a:r>
               <a:rPr lang="it-IT" dirty="0" err="1">
@@ -6157,7 +6875,7 @@
               <a:t>embedding</a:t>
             </a:r>
             <a:r>
-              <a:rPr lang="it-IT" dirty="0" smtClean="0">
+              <a:rPr lang="it-IT" dirty="0">
                 <a:latin typeface="Times New Roman" panose="02020603050405020304" pitchFamily="18" charset="0"/>
                 <a:cs typeface="Times New Roman" panose="02020603050405020304" pitchFamily="18" charset="0"/>
               </a:rPr>
@@ -6167,18 +6885,11 @@
           <a:p>
             <a:pPr algn="just"/>
             <a:r>
-              <a:rPr lang="it-IT" dirty="0" smtClean="0">
-                <a:latin typeface="Times New Roman" panose="02020603050405020304" pitchFamily="18" charset="0"/>
-                <a:cs typeface="Times New Roman" panose="02020603050405020304" pitchFamily="18" charset="0"/>
-              </a:rPr>
-              <a:t>Colonne </a:t>
-            </a:r>
-            <a:r>
               <a:rPr lang="it-IT" dirty="0">
                 <a:latin typeface="Times New Roman" panose="02020603050405020304" pitchFamily="18" charset="0"/>
                 <a:cs typeface="Times New Roman" panose="02020603050405020304" pitchFamily="18" charset="0"/>
               </a:rPr>
-              <a:t>simili → vettori vicini → cosine </a:t>
+              <a:t>Colonne simili → vettori vicini → cosine </a:t>
             </a:r>
             <a:r>
               <a:rPr lang="it-IT" dirty="0" err="1">
@@ -6192,112 +6903,12 @@
                 <a:latin typeface="Times New Roman" panose="02020603050405020304" pitchFamily="18" charset="0"/>
                 <a:cs typeface="Times New Roman" panose="02020603050405020304" pitchFamily="18" charset="0"/>
               </a:rPr>
-              <a:t> alta</a:t>
-            </a:r>
-            <a:r>
-              <a:rPr lang="it-IT" dirty="0" smtClean="0">
-                <a:latin typeface="Times New Roman" panose="02020603050405020304" pitchFamily="18" charset="0"/>
-                <a:cs typeface="Times New Roman" panose="02020603050405020304" pitchFamily="18" charset="0"/>
-              </a:rPr>
-              <a:t>.</a:t>
+              <a:t> alta.</a:t>
             </a:r>
           </a:p>
           <a:p>
             <a:pPr algn="just"/>
-            <a:r>
-              <a:rPr lang="it-IT" dirty="0" smtClean="0">
-                <a:latin typeface="Times New Roman" panose="02020603050405020304" pitchFamily="18" charset="0"/>
-                <a:cs typeface="Times New Roman" panose="02020603050405020304" pitchFamily="18" charset="0"/>
-              </a:rPr>
-              <a:t>Ma:</a:t>
-            </a:r>
-          </a:p>
-          <a:p>
-            <a:pPr algn="just"/>
-            <a:r>
-              <a:rPr lang="it-IT" dirty="0">
-                <a:latin typeface="Times New Roman" panose="02020603050405020304" pitchFamily="18" charset="0"/>
-                <a:cs typeface="Times New Roman" panose="02020603050405020304" pitchFamily="18" charset="0"/>
-              </a:rPr>
-              <a:t> </a:t>
-            </a:r>
-            <a:r>
-              <a:rPr lang="it-IT" dirty="0" smtClean="0">
-                <a:latin typeface="Times New Roman" panose="02020603050405020304" pitchFamily="18" charset="0"/>
-                <a:cs typeface="Times New Roman" panose="02020603050405020304" pitchFamily="18" charset="0"/>
-              </a:rPr>
-              <a:t>                                             SLM</a:t>
-            </a:r>
-            <a:r>
-              <a:rPr lang="it-IT" dirty="0">
-                <a:latin typeface="Times New Roman" panose="02020603050405020304" pitchFamily="18" charset="0"/>
-                <a:cs typeface="Times New Roman" panose="02020603050405020304" pitchFamily="18" charset="0"/>
-              </a:rPr>
-              <a:t>	</a:t>
-            </a:r>
-            <a:r>
-              <a:rPr lang="it-IT" dirty="0" smtClean="0">
-                <a:latin typeface="Times New Roman" panose="02020603050405020304" pitchFamily="18" charset="0"/>
-                <a:cs typeface="Times New Roman" panose="02020603050405020304" pitchFamily="18" charset="0"/>
-              </a:rPr>
-              <a:t>                 LLM</a:t>
-            </a:r>
-          </a:p>
-          <a:p>
-            <a:pPr algn="just"/>
-            <a:r>
-              <a:rPr lang="it-IT" dirty="0" smtClean="0">
-                <a:latin typeface="Times New Roman" panose="02020603050405020304" pitchFamily="18" charset="0"/>
-                <a:cs typeface="Times New Roman" panose="02020603050405020304" pitchFamily="18" charset="0"/>
-              </a:rPr>
-              <a:t>                                              Veloci</a:t>
-            </a:r>
-            <a:r>
-              <a:rPr lang="it-IT" dirty="0">
-                <a:latin typeface="Times New Roman" panose="02020603050405020304" pitchFamily="18" charset="0"/>
-                <a:cs typeface="Times New Roman" panose="02020603050405020304" pitchFamily="18" charset="0"/>
-              </a:rPr>
-              <a:t>	</a:t>
-            </a:r>
-            <a:r>
-              <a:rPr lang="it-IT" dirty="0" smtClean="0">
-                <a:latin typeface="Times New Roman" panose="02020603050405020304" pitchFamily="18" charset="0"/>
-                <a:cs typeface="Times New Roman" panose="02020603050405020304" pitchFamily="18" charset="0"/>
-              </a:rPr>
-              <a:t>                 Lenti/costosi</a:t>
-            </a:r>
-          </a:p>
-          <a:p>
-            <a:pPr algn="just"/>
-            <a:r>
-              <a:rPr lang="it-IT" dirty="0" smtClean="0">
-                <a:latin typeface="Times New Roman" panose="02020603050405020304" pitchFamily="18" charset="0"/>
-                <a:cs typeface="Times New Roman" panose="02020603050405020304" pitchFamily="18" charset="0"/>
-              </a:rPr>
-              <a:t>                                              Serve </a:t>
-            </a:r>
-            <a:r>
-              <a:rPr lang="it-IT" dirty="0">
-                <a:latin typeface="Times New Roman" panose="02020603050405020304" pitchFamily="18" charset="0"/>
-                <a:cs typeface="Times New Roman" panose="02020603050405020304" pitchFamily="18" charset="0"/>
-              </a:rPr>
-              <a:t>training	</a:t>
-            </a:r>
-            <a:r>
-              <a:rPr lang="it-IT" dirty="0" smtClean="0">
-                <a:latin typeface="Times New Roman" panose="02020603050405020304" pitchFamily="18" charset="0"/>
-                <a:cs typeface="Times New Roman" panose="02020603050405020304" pitchFamily="18" charset="0"/>
-              </a:rPr>
-              <a:t> Zero-</a:t>
-            </a:r>
-            <a:r>
-              <a:rPr lang="it-IT" dirty="0" err="1" smtClean="0">
-                <a:latin typeface="Times New Roman" panose="02020603050405020304" pitchFamily="18" charset="0"/>
-                <a:cs typeface="Times New Roman" panose="02020603050405020304" pitchFamily="18" charset="0"/>
-              </a:rPr>
-              <a:t>shot</a:t>
-            </a:r>
-            <a:endParaRPr lang="it-IT" dirty="0" smtClean="0">
+            <a:endParaRPr lang="it-IT" dirty="0">
               <a:latin typeface="Times New Roman" panose="02020603050405020304" pitchFamily="18" charset="0"/>
               <a:cs typeface="Times New Roman" panose="02020603050405020304" pitchFamily="18" charset="0"/>
             </a:endParaRPr>
@@ -6305,32 +6916,62 @@
           <a:p>
             <a:pPr algn="just"/>
             <a:r>
-              <a:rPr lang="it-IT" dirty="0" smtClean="0">
-                <a:latin typeface="Times New Roman" panose="02020603050405020304" pitchFamily="18" charset="0"/>
-                <a:cs typeface="Times New Roman" panose="02020603050405020304" pitchFamily="18" charset="0"/>
-              </a:rPr>
-              <a:t>                                              Poco contesto  </a:t>
-            </a:r>
-            <a:r>
               <a:rPr lang="it-IT" dirty="0">
                 <a:latin typeface="Times New Roman" panose="02020603050405020304" pitchFamily="18" charset="0"/>
                 <a:cs typeface="Times New Roman" panose="02020603050405020304" pitchFamily="18" charset="0"/>
               </a:rPr>
-              <a:t>	</a:t>
-            </a:r>
-            <a:r>
-              <a:rPr lang="it-IT" dirty="0" smtClean="0">
-                <a:latin typeface="Times New Roman" panose="02020603050405020304" pitchFamily="18" charset="0"/>
-                <a:cs typeface="Times New Roman" panose="02020603050405020304" pitchFamily="18" charset="0"/>
-              </a:rPr>
-              <a:t> Forte </a:t>
-            </a:r>
+              <a:t>Ma:</a:t>
+            </a:r>
+          </a:p>
+          <a:p>
+            <a:pPr algn="just"/>
             <a:r>
               <a:rPr lang="it-IT" dirty="0">
                 <a:latin typeface="Times New Roman" panose="02020603050405020304" pitchFamily="18" charset="0"/>
                 <a:cs typeface="Times New Roman" panose="02020603050405020304" pitchFamily="18" charset="0"/>
               </a:rPr>
-              <a:t>semantica</a:t>
+              <a:t>                                              SLM	                 LLM</a:t>
+            </a:r>
+          </a:p>
+          <a:p>
+            <a:pPr algn="just"/>
+            <a:r>
+              <a:rPr lang="it-IT" dirty="0">
+                <a:latin typeface="Times New Roman" panose="02020603050405020304" pitchFamily="18" charset="0"/>
+                <a:cs typeface="Times New Roman" panose="02020603050405020304" pitchFamily="18" charset="0"/>
+              </a:rPr>
+              <a:t>                                              Veloci	                 Lenti/costosi</a:t>
+            </a:r>
+          </a:p>
+          <a:p>
+            <a:pPr algn="just"/>
+            <a:r>
+              <a:rPr lang="it-IT" dirty="0">
+                <a:latin typeface="Times New Roman" panose="02020603050405020304" pitchFamily="18" charset="0"/>
+                <a:cs typeface="Times New Roman" panose="02020603050405020304" pitchFamily="18" charset="0"/>
+              </a:rPr>
+              <a:t>                                              Serve training	 Zero-</a:t>
+            </a:r>
+            <a:r>
+              <a:rPr lang="it-IT" dirty="0" err="1">
+                <a:latin typeface="Times New Roman" panose="02020603050405020304" pitchFamily="18" charset="0"/>
+                <a:cs typeface="Times New Roman" panose="02020603050405020304" pitchFamily="18" charset="0"/>
+              </a:rPr>
+              <a:t>shot</a:t>
+            </a:r>
+            <a:endParaRPr lang="it-IT" dirty="0">
+              <a:latin typeface="Times New Roman" panose="02020603050405020304" pitchFamily="18" charset="0"/>
+              <a:cs typeface="Times New Roman" panose="02020603050405020304" pitchFamily="18" charset="0"/>
+            </a:endParaRPr>
+          </a:p>
+          <a:p>
+            <a:pPr algn="just"/>
+            <a:r>
+              <a:rPr lang="it-IT" dirty="0">
+                <a:latin typeface="Times New Roman" panose="02020603050405020304" pitchFamily="18" charset="0"/>
+                <a:cs typeface="Times New Roman" panose="02020603050405020304" pitchFamily="18" charset="0"/>
+              </a:rPr>
+              <a:t>                                              Poco contesto  	 Forte semantica</a:t>
             </a:r>
           </a:p>
         </p:txBody>
@@ -6530,18 +7171,18 @@
           </a:lstStyle>
           <a:p>
             <a:r>
-              <a:rPr lang="it-IT" sz="1800" dirty="0" err="1" smtClean="0"/>
+              <a:rPr lang="it-IT" sz="1800" dirty="0" err="1"/>
               <a:t>HomeWork</a:t>
             </a:r>
             <a:r>
-              <a:rPr lang="it-IT" sz="1800" dirty="0" smtClean="0"/>
+              <a:rPr lang="it-IT" sz="1800" dirty="0"/>
               <a:t> 3</a:t>
             </a:r>
             <a:br>
-              <a:rPr lang="it-IT" sz="1800" dirty="0" smtClean="0"/>
+              <a:rPr lang="it-IT" sz="1800" dirty="0"/>
             </a:br>
             <a:r>
-              <a:rPr lang="it-IT" sz="1800" dirty="0" smtClean="0"/>
+              <a:rPr lang="it-IT" sz="1800" dirty="0"/>
               <a:t>Ingegneria dei Dati</a:t>
             </a:r>
             <a:endParaRPr lang="it-IT" sz="3000" dirty="0"/>
@@ -6680,7 +7321,7 @@
         <p:spPr>
           <a:xfrm>
             <a:off x="323528" y="2204864"/>
-            <a:ext cx="8424936" cy="2062103"/>
+            <a:ext cx="8424936" cy="1508105"/>
           </a:xfrm>
           <a:prstGeom prst="rect">
             <a:avLst/>
@@ -6700,140 +7341,106 @@
               <a:t>Idea chiave di </a:t>
             </a:r>
             <a:r>
-              <a:rPr lang="it-IT" sz="2000" b="1" dirty="0" err="1" smtClean="0">
+              <a:rPr lang="it-IT" sz="2000" b="1" dirty="0" err="1">
                 <a:latin typeface="Times New Roman" panose="02020603050405020304" pitchFamily="18" charset="0"/>
                 <a:cs typeface="Times New Roman" panose="02020603050405020304" pitchFamily="18" charset="0"/>
               </a:rPr>
               <a:t>Magneto</a:t>
             </a:r>
-            <a:endParaRPr lang="it-IT" sz="2000" b="1" dirty="0" smtClean="0">
+            <a:endParaRPr lang="it-IT" sz="2000" b="1" dirty="0">
               <a:latin typeface="Times New Roman" panose="02020603050405020304" pitchFamily="18" charset="0"/>
               <a:cs typeface="Times New Roman" panose="02020603050405020304" pitchFamily="18" charset="0"/>
             </a:endParaRPr>
           </a:p>
           <a:p>
+            <a:pPr marL="285750" indent="-285750">
+              <a:buFont typeface="Arial" panose="020B0604020202020204" pitchFamily="34" charset="0"/>
+              <a:buChar char="•"/>
+            </a:pPr>
+            <a:r>
+              <a:rPr lang="it-IT" dirty="0">
+                <a:latin typeface="Times New Roman" panose="02020603050405020304" pitchFamily="18" charset="0"/>
+                <a:cs typeface="Times New Roman" panose="02020603050405020304" pitchFamily="18" charset="0"/>
+              </a:rPr>
+              <a:t>Combinare SLM e LLM in una pipeline a due fasi</a:t>
+            </a:r>
+          </a:p>
+          <a:p>
+            <a:pPr marL="742950" lvl="1" indent="-285750">
+              <a:buFont typeface="Wingdings" panose="05000000000000000000" pitchFamily="2" charset="2"/>
+              <a:buChar char="Ø"/>
+            </a:pPr>
+            <a:r>
+              <a:rPr lang="it-IT" dirty="0">
+                <a:latin typeface="Times New Roman" panose="02020603050405020304" pitchFamily="18" charset="0"/>
+                <a:cs typeface="Times New Roman" panose="02020603050405020304" pitchFamily="18" charset="0"/>
+              </a:rPr>
+              <a:t>SLM → Candidate </a:t>
+            </a:r>
+            <a:r>
+              <a:rPr lang="it-IT" dirty="0" err="1">
+                <a:latin typeface="Times New Roman" panose="02020603050405020304" pitchFamily="18" charset="0"/>
+                <a:cs typeface="Times New Roman" panose="02020603050405020304" pitchFamily="18" charset="0"/>
+              </a:rPr>
+              <a:t>Retrieval</a:t>
+            </a:r>
+            <a:r>
+              <a:rPr lang="it-IT" dirty="0">
+                <a:latin typeface="Times New Roman" panose="02020603050405020304" pitchFamily="18" charset="0"/>
+                <a:cs typeface="Times New Roman" panose="02020603050405020304" pitchFamily="18" charset="0"/>
+              </a:rPr>
+              <a:t> (veloce, filtra)</a:t>
+            </a:r>
+          </a:p>
+          <a:p>
+            <a:pPr marL="742950" lvl="1" indent="-285750">
+              <a:buFont typeface="Wingdings" panose="05000000000000000000" pitchFamily="2" charset="2"/>
+              <a:buChar char="Ø"/>
+            </a:pPr>
+            <a:r>
+              <a:rPr lang="it-IT" dirty="0">
+                <a:latin typeface="Times New Roman" panose="02020603050405020304" pitchFamily="18" charset="0"/>
+                <a:cs typeface="Times New Roman" panose="02020603050405020304" pitchFamily="18" charset="0"/>
+              </a:rPr>
+              <a:t>LLM → </a:t>
+            </a:r>
+            <a:r>
+              <a:rPr lang="it-IT" dirty="0" err="1">
+                <a:latin typeface="Times New Roman" panose="02020603050405020304" pitchFamily="18" charset="0"/>
+                <a:cs typeface="Times New Roman" panose="02020603050405020304" pitchFamily="18" charset="0"/>
+              </a:rPr>
+              <a:t>Reranking</a:t>
+            </a:r>
+            <a:r>
+              <a:rPr lang="it-IT" dirty="0">
+                <a:latin typeface="Times New Roman" panose="02020603050405020304" pitchFamily="18" charset="0"/>
+                <a:cs typeface="Times New Roman" panose="02020603050405020304" pitchFamily="18" charset="0"/>
+              </a:rPr>
+              <a:t> (preciso, </a:t>
+            </a:r>
+            <a:r>
+              <a:rPr lang="it-IT">
+                <a:latin typeface="Times New Roman" panose="02020603050405020304" pitchFamily="18" charset="0"/>
+                <a:cs typeface="Times New Roman" panose="02020603050405020304" pitchFamily="18" charset="0"/>
+              </a:rPr>
+              <a:t>semantico)</a:t>
+            </a:r>
             <a:endParaRPr lang="it-IT" dirty="0">
               <a:latin typeface="Times New Roman" panose="02020603050405020304" pitchFamily="18" charset="0"/>
               <a:cs typeface="Times New Roman" panose="02020603050405020304" pitchFamily="18" charset="0"/>
             </a:endParaRPr>
           </a:p>
           <a:p>
-            <a:r>
-              <a:rPr lang="it-IT" dirty="0" smtClean="0">
-                <a:latin typeface="Times New Roman" panose="02020603050405020304" pitchFamily="18" charset="0"/>
-                <a:cs typeface="Times New Roman" panose="02020603050405020304" pitchFamily="18" charset="0"/>
-              </a:rPr>
-              <a:t>Combinare </a:t>
-            </a:r>
+            <a:pPr marL="285750" indent="-285750">
+              <a:buFont typeface="Arial" panose="020B0604020202020204" pitchFamily="34" charset="0"/>
+              <a:buChar char="•"/>
+            </a:pPr>
             <a:r>
               <a:rPr lang="it-IT" dirty="0">
                 <a:latin typeface="Times New Roman" panose="02020603050405020304" pitchFamily="18" charset="0"/>
                 <a:cs typeface="Times New Roman" panose="02020603050405020304" pitchFamily="18" charset="0"/>
               </a:rPr>
-              <a:t>SLM e LLM in una pipeline a due </a:t>
-            </a:r>
-            <a:r>
-              <a:rPr lang="it-IT" dirty="0" smtClean="0">
-                <a:latin typeface="Times New Roman" panose="02020603050405020304" pitchFamily="18" charset="0"/>
-                <a:cs typeface="Times New Roman" panose="02020603050405020304" pitchFamily="18" charset="0"/>
-              </a:rPr>
-              <a:t>fasi</a:t>
-            </a:r>
-          </a:p>
-          <a:p>
-            <a:r>
-              <a:rPr lang="it-IT" dirty="0" smtClean="0">
-                <a:latin typeface="Times New Roman" panose="02020603050405020304" pitchFamily="18" charset="0"/>
-                <a:cs typeface="Times New Roman" panose="02020603050405020304" pitchFamily="18" charset="0"/>
-              </a:rPr>
-              <a:t>SLM </a:t>
-            </a:r>
-            <a:r>
-              <a:rPr lang="it-IT" dirty="0">
-                <a:latin typeface="Times New Roman" panose="02020603050405020304" pitchFamily="18" charset="0"/>
-                <a:cs typeface="Times New Roman" panose="02020603050405020304" pitchFamily="18" charset="0"/>
-              </a:rPr>
-              <a:t>→ Candidate </a:t>
-            </a:r>
-            <a:r>
-              <a:rPr lang="it-IT" dirty="0" err="1">
-                <a:latin typeface="Times New Roman" panose="02020603050405020304" pitchFamily="18" charset="0"/>
-                <a:cs typeface="Times New Roman" panose="02020603050405020304" pitchFamily="18" charset="0"/>
-              </a:rPr>
-              <a:t>Retrieval</a:t>
-            </a:r>
-            <a:r>
-              <a:rPr lang="it-IT" dirty="0">
-                <a:latin typeface="Times New Roman" panose="02020603050405020304" pitchFamily="18" charset="0"/>
-                <a:cs typeface="Times New Roman" panose="02020603050405020304" pitchFamily="18" charset="0"/>
-              </a:rPr>
-              <a:t> (veloce, </a:t>
-            </a:r>
-            <a:r>
-              <a:rPr lang="it-IT" dirty="0" smtClean="0">
-                <a:latin typeface="Times New Roman" panose="02020603050405020304" pitchFamily="18" charset="0"/>
-                <a:cs typeface="Times New Roman" panose="02020603050405020304" pitchFamily="18" charset="0"/>
-              </a:rPr>
-              <a:t>filtra)</a:t>
-            </a:r>
-          </a:p>
-          <a:p>
-            <a:r>
-              <a:rPr lang="it-IT" dirty="0" smtClean="0">
-                <a:latin typeface="Times New Roman" panose="02020603050405020304" pitchFamily="18" charset="0"/>
-                <a:cs typeface="Times New Roman" panose="02020603050405020304" pitchFamily="18" charset="0"/>
-              </a:rPr>
-              <a:t>LLM </a:t>
-            </a:r>
-            <a:r>
-              <a:rPr lang="it-IT" dirty="0">
-                <a:latin typeface="Times New Roman" panose="02020603050405020304" pitchFamily="18" charset="0"/>
-                <a:cs typeface="Times New Roman" panose="02020603050405020304" pitchFamily="18" charset="0"/>
-              </a:rPr>
-              <a:t>→ </a:t>
-            </a:r>
-            <a:r>
-              <a:rPr lang="it-IT" dirty="0" err="1">
-                <a:latin typeface="Times New Roman" panose="02020603050405020304" pitchFamily="18" charset="0"/>
-                <a:cs typeface="Times New Roman" panose="02020603050405020304" pitchFamily="18" charset="0"/>
-              </a:rPr>
-              <a:t>Reranking</a:t>
-            </a:r>
-            <a:r>
-              <a:rPr lang="it-IT" dirty="0">
-                <a:latin typeface="Times New Roman" panose="02020603050405020304" pitchFamily="18" charset="0"/>
-                <a:cs typeface="Times New Roman" panose="02020603050405020304" pitchFamily="18" charset="0"/>
-              </a:rPr>
-              <a:t> (preciso, semantico</a:t>
-            </a:r>
-            <a:r>
-              <a:rPr lang="it-IT" dirty="0" smtClean="0">
-                <a:latin typeface="Times New Roman" panose="02020603050405020304" pitchFamily="18" charset="0"/>
-                <a:cs typeface="Times New Roman" panose="02020603050405020304" pitchFamily="18" charset="0"/>
-              </a:rPr>
-              <a:t>)</a:t>
-            </a:r>
-          </a:p>
-          <a:p>
-            <a:endParaRPr lang="it-IT" dirty="0">
-              <a:latin typeface="Times New Roman" panose="02020603050405020304" pitchFamily="18" charset="0"/>
-              <a:cs typeface="Times New Roman" panose="02020603050405020304" pitchFamily="18" charset="0"/>
-            </a:endParaRPr>
-          </a:p>
-          <a:p>
-            <a:r>
-              <a:rPr lang="it-IT" dirty="0" smtClean="0">
-                <a:latin typeface="Times New Roman" panose="02020603050405020304" pitchFamily="18" charset="0"/>
-                <a:cs typeface="Times New Roman" panose="02020603050405020304" pitchFamily="18" charset="0"/>
-              </a:rPr>
-              <a:t>LLM </a:t>
-            </a:r>
-            <a:r>
-              <a:rPr lang="it-IT" dirty="0">
-                <a:latin typeface="Times New Roman" panose="02020603050405020304" pitchFamily="18" charset="0"/>
-                <a:cs typeface="Times New Roman" panose="02020603050405020304" pitchFamily="18" charset="0"/>
-              </a:rPr>
-              <a:t>usati solo dove servono.</a:t>
+              <a:t>LLM usati solo dove servono.</a:t>
             </a:r>
           </a:p>
         </p:txBody>
@@ -6861,46 +7468,39 @@
           <a:p>
             <a:pPr algn="just"/>
             <a:r>
+              <a:rPr lang="it-IT" dirty="0">
+                <a:latin typeface="Times New Roman" panose="02020603050405020304" pitchFamily="18" charset="0"/>
+                <a:cs typeface="Times New Roman" panose="02020603050405020304" pitchFamily="18" charset="0"/>
+              </a:rPr>
+              <a:t>Magneto propone quindi una pipeline a due fasi, </a:t>
+            </a:r>
+            <a:r>
               <a:rPr lang="it-IT" dirty="0" err="1">
                 <a:latin typeface="Times New Roman" panose="02020603050405020304" pitchFamily="18" charset="0"/>
                 <a:cs typeface="Times New Roman" panose="02020603050405020304" pitchFamily="18" charset="0"/>
               </a:rPr>
-              <a:t>Magneto</a:t>
+              <a:t>retrieval</a:t>
             </a:r>
             <a:r>
               <a:rPr lang="it-IT" dirty="0">
                 <a:latin typeface="Times New Roman" panose="02020603050405020304" pitchFamily="18" charset="0"/>
                 <a:cs typeface="Times New Roman" panose="02020603050405020304" pitchFamily="18" charset="0"/>
               </a:rPr>
-              <a:t> propone quindi una pipeline a due fasi — </a:t>
+              <a:t> e </a:t>
             </a:r>
             <a:r>
               <a:rPr lang="it-IT" dirty="0" err="1">
                 <a:latin typeface="Times New Roman" panose="02020603050405020304" pitchFamily="18" charset="0"/>
                 <a:cs typeface="Times New Roman" panose="02020603050405020304" pitchFamily="18" charset="0"/>
               </a:rPr>
-              <a:t>retrieval</a:t>
+              <a:t>reranking</a:t>
             </a:r>
             <a:r>
               <a:rPr lang="it-IT" dirty="0">
                 <a:latin typeface="Times New Roman" panose="02020603050405020304" pitchFamily="18" charset="0"/>
                 <a:cs typeface="Times New Roman" panose="02020603050405020304" pitchFamily="18" charset="0"/>
               </a:rPr>
-              <a:t> e </a:t>
-            </a:r>
-            <a:r>
-              <a:rPr lang="it-IT" dirty="0" err="1">
-                <a:latin typeface="Times New Roman" panose="02020603050405020304" pitchFamily="18" charset="0"/>
-                <a:cs typeface="Times New Roman" panose="02020603050405020304" pitchFamily="18" charset="0"/>
-              </a:rPr>
-              <a:t>reranking</a:t>
-            </a:r>
-            <a:r>
-              <a:rPr lang="it-IT" dirty="0">
-                <a:latin typeface="Times New Roman" panose="02020603050405020304" pitchFamily="18" charset="0"/>
-                <a:cs typeface="Times New Roman" panose="02020603050405020304" pitchFamily="18" charset="0"/>
-              </a:rPr>
-              <a:t> — in cui gli SLM vengono utilizzati per filtrare un insieme ristretto di candidati e gli LLM per riclassificare tali candidati con maggiore precisione semantica. A questo si aggiunge un elemento innovativo: l’utilizzo degli LLM per generare automaticamente i dati di training necessari al fine-</a:t>
+              <a:t>, in cui gli SLM vengono utilizzati per filtrare un insieme ristretto di candidati e gli LLM per riclassificare tali candidati con maggiore precisione semantica. A questo si aggiunge un elemento innovativo: l’utilizzo degli LLM per generare automaticamente i dati di training necessari al fine-</a:t>
             </a:r>
             <a:r>
               <a:rPr lang="it-IT" dirty="0" err="1">
@@ -7096,18 +7696,18 @@
           </a:lstStyle>
           <a:p>
             <a:r>
-              <a:rPr lang="it-IT" sz="1800" dirty="0" err="1" smtClean="0"/>
+              <a:rPr lang="it-IT" sz="1800" dirty="0" err="1"/>
               <a:t>HomeWork</a:t>
             </a:r>
             <a:r>
-              <a:rPr lang="it-IT" sz="1800" dirty="0" smtClean="0"/>
+              <a:rPr lang="it-IT" sz="1800" dirty="0"/>
               <a:t> 3</a:t>
             </a:r>
             <a:br>
-              <a:rPr lang="it-IT" sz="1800" dirty="0" smtClean="0"/>
+              <a:rPr lang="it-IT" sz="1800" dirty="0"/>
             </a:br>
             <a:r>
-              <a:rPr lang="it-IT" sz="1800" dirty="0" smtClean="0"/>
+              <a:rPr lang="it-IT" sz="1800" dirty="0"/>
               <a:t>Ingegneria dei Dati</a:t>
             </a:r>
             <a:endParaRPr lang="it-IT" sz="3000" dirty="0"/>
@@ -7246,7 +7846,7 @@
         <p:spPr>
           <a:xfrm>
             <a:off x="323528" y="2204864"/>
-            <a:ext cx="8424936" cy="3447098"/>
+            <a:ext cx="8424936" cy="3724096"/>
           </a:xfrm>
           <a:prstGeom prst="rect">
             <a:avLst/>
@@ -7277,44 +7877,7 @@
                 <a:latin typeface="Times New Roman" panose="02020603050405020304" pitchFamily="18" charset="0"/>
                 <a:cs typeface="Times New Roman" panose="02020603050405020304" pitchFamily="18" charset="0"/>
               </a:rPr>
-              <a:t> (SLM</a:t>
-            </a:r>
-            <a:r>
-              <a:rPr lang="it-IT" sz="2000" b="1" dirty="0" smtClean="0">
-                <a:latin typeface="Times New Roman" panose="02020603050405020304" pitchFamily="18" charset="0"/>
-                <a:cs typeface="Times New Roman" panose="02020603050405020304" pitchFamily="18" charset="0"/>
-              </a:rPr>
-              <a:t>)</a:t>
-            </a:r>
-          </a:p>
-          <a:p>
-            <a:endParaRPr lang="it-IT" dirty="0" smtClean="0">
-              <a:latin typeface="Times New Roman" panose="02020603050405020304" pitchFamily="18" charset="0"/>
-              <a:cs typeface="Times New Roman" panose="02020603050405020304" pitchFamily="18" charset="0"/>
-            </a:endParaRPr>
-          </a:p>
-          <a:p>
-            <a:pPr algn="just"/>
-            <a:r>
-              <a:rPr lang="it-IT" dirty="0">
-                <a:latin typeface="Times New Roman" panose="02020603050405020304" pitchFamily="18" charset="0"/>
-                <a:cs typeface="Times New Roman" panose="02020603050405020304" pitchFamily="18" charset="0"/>
-              </a:rPr>
-              <a:t>Gli SLM vengono utilizzati per calcolare </a:t>
-            </a:r>
-            <a:r>
-              <a:rPr lang="it-IT" dirty="0" err="1">
-                <a:latin typeface="Times New Roman" panose="02020603050405020304" pitchFamily="18" charset="0"/>
-                <a:cs typeface="Times New Roman" panose="02020603050405020304" pitchFamily="18" charset="0"/>
-              </a:rPr>
-              <a:t>embedding</a:t>
-            </a:r>
-            <a:r>
-              <a:rPr lang="it-IT" dirty="0">
-                <a:latin typeface="Times New Roman" panose="02020603050405020304" pitchFamily="18" charset="0"/>
-                <a:cs typeface="Times New Roman" panose="02020603050405020304" pitchFamily="18" charset="0"/>
-              </a:rPr>
-              <a:t> di colonna e produrre, per ogni colonna sorgente, una lista classificata di possibili colonne target.</a:t>
+              <a:t> (SLM)</a:t>
             </a:r>
           </a:p>
           <a:p>
@@ -7324,110 +7887,28 @@
             </a:endParaRPr>
           </a:p>
           <a:p>
-            <a:r>
-              <a:rPr lang="it-IT" dirty="0" smtClean="0">
-                <a:latin typeface="Times New Roman" panose="02020603050405020304" pitchFamily="18" charset="0"/>
-                <a:cs typeface="Times New Roman" panose="02020603050405020304" pitchFamily="18" charset="0"/>
-              </a:rPr>
-              <a:t>Ogni </a:t>
-            </a:r>
+            <a:pPr algn="just"/>
             <a:r>
               <a:rPr lang="it-IT" dirty="0">
                 <a:latin typeface="Times New Roman" panose="02020603050405020304" pitchFamily="18" charset="0"/>
                 <a:cs typeface="Times New Roman" panose="02020603050405020304" pitchFamily="18" charset="0"/>
               </a:rPr>
-              <a:t>colonna → serializzata (nome + valori</a:t>
-            </a:r>
-            <a:r>
-              <a:rPr lang="it-IT" dirty="0" smtClean="0">
-                <a:latin typeface="Times New Roman" panose="02020603050405020304" pitchFamily="18" charset="0"/>
-                <a:cs typeface="Times New Roman" panose="02020603050405020304" pitchFamily="18" charset="0"/>
-              </a:rPr>
-              <a:t>)</a:t>
-            </a:r>
-          </a:p>
-          <a:p>
-            <a:r>
-              <a:rPr lang="it-IT" dirty="0" smtClean="0">
-                <a:latin typeface="Times New Roman" panose="02020603050405020304" pitchFamily="18" charset="0"/>
-                <a:cs typeface="Times New Roman" panose="02020603050405020304" pitchFamily="18" charset="0"/>
-              </a:rPr>
-              <a:t>Convertita </a:t>
+              <a:t>Gli SLM vengono utilizzati per calcolare </a:t>
+            </a:r>
+            <a:r>
+              <a:rPr lang="it-IT" dirty="0" err="1">
+                <a:latin typeface="Times New Roman" panose="02020603050405020304" pitchFamily="18" charset="0"/>
+                <a:cs typeface="Times New Roman" panose="02020603050405020304" pitchFamily="18" charset="0"/>
+              </a:rPr>
+              <a:t>embedding</a:t>
             </a:r>
             <a:r>
               <a:rPr lang="it-IT" dirty="0">
                 <a:latin typeface="Times New Roman" panose="02020603050405020304" pitchFamily="18" charset="0"/>
                 <a:cs typeface="Times New Roman" panose="02020603050405020304" pitchFamily="18" charset="0"/>
               </a:rPr>
-              <a:t>in </a:t>
-            </a:r>
-            <a:r>
-              <a:rPr lang="it-IT" dirty="0" err="1" smtClean="0">
-                <a:latin typeface="Times New Roman" panose="02020603050405020304" pitchFamily="18" charset="0"/>
-                <a:cs typeface="Times New Roman" panose="02020603050405020304" pitchFamily="18" charset="0"/>
-              </a:rPr>
-              <a:t>embedding</a:t>
-            </a:r>
-            <a:endParaRPr lang="it-IT" dirty="0" smtClean="0">
-              <a:latin typeface="Times New Roman" panose="02020603050405020304" pitchFamily="18" charset="0"/>
-              <a:cs typeface="Times New Roman" panose="02020603050405020304" pitchFamily="18" charset="0"/>
-            </a:endParaRPr>
-          </a:p>
-          <a:p>
-            <a:r>
-              <a:rPr lang="it-IT" dirty="0" smtClean="0">
-                <a:latin typeface="Times New Roman" panose="02020603050405020304" pitchFamily="18" charset="0"/>
-                <a:cs typeface="Times New Roman" panose="02020603050405020304" pitchFamily="18" charset="0"/>
-              </a:rPr>
-              <a:t>Confronto </a:t>
-            </a:r>
-            <a:r>
-              <a:rPr lang="it-IT" dirty="0">
-                <a:latin typeface="Times New Roman" panose="02020603050405020304" pitchFamily="18" charset="0"/>
-                <a:cs typeface="Times New Roman" panose="02020603050405020304" pitchFamily="18" charset="0"/>
-              </a:rPr>
-              <a:t>tramite cosine </a:t>
-            </a:r>
-            <a:r>
-              <a:rPr lang="it-IT" dirty="0" err="1" smtClean="0">
-                <a:latin typeface="Times New Roman" panose="02020603050405020304" pitchFamily="18" charset="0"/>
-                <a:cs typeface="Times New Roman" panose="02020603050405020304" pitchFamily="18" charset="0"/>
-              </a:rPr>
-              <a:t>similarity</a:t>
-            </a:r>
-            <a:endParaRPr lang="it-IT" dirty="0" smtClean="0">
-              <a:latin typeface="Times New Roman" panose="02020603050405020304" pitchFamily="18" charset="0"/>
-              <a:cs typeface="Times New Roman" panose="02020603050405020304" pitchFamily="18" charset="0"/>
-            </a:endParaRPr>
-          </a:p>
-          <a:p>
-            <a:r>
-              <a:rPr lang="it-IT" dirty="0" smtClean="0">
-                <a:latin typeface="Times New Roman" panose="02020603050405020304" pitchFamily="18" charset="0"/>
-                <a:cs typeface="Times New Roman" panose="02020603050405020304" pitchFamily="18" charset="0"/>
-              </a:rPr>
-              <a:t>Produce </a:t>
-            </a:r>
-            <a:r>
-              <a:rPr lang="it-IT" dirty="0">
-                <a:latin typeface="Times New Roman" panose="02020603050405020304" pitchFamily="18" charset="0"/>
-                <a:cs typeface="Times New Roman" panose="02020603050405020304" pitchFamily="18" charset="0"/>
-              </a:rPr>
-              <a:t>Top-k </a:t>
-            </a:r>
-            <a:r>
-              <a:rPr lang="it-IT" dirty="0" smtClean="0">
-                <a:latin typeface="Times New Roman" panose="02020603050405020304" pitchFamily="18" charset="0"/>
-                <a:cs typeface="Times New Roman" panose="02020603050405020304" pitchFamily="18" charset="0"/>
-              </a:rPr>
-              <a:t>candidati</a:t>
-            </a:r>
-          </a:p>
-          <a:p>
-            <a:endParaRPr lang="it-IT" dirty="0" smtClean="0">
-              <a:latin typeface="Times New Roman" panose="02020603050405020304" pitchFamily="18" charset="0"/>
-              <a:cs typeface="Times New Roman" panose="02020603050405020304" pitchFamily="18" charset="0"/>
-            </a:endParaRPr>
+              <a:t> di colonna e produrre, per ogni colonna sorgente, una lista classificata di possibili colonne target.</a:t>
+            </a:r>
           </a:p>
           <a:p>
             <a:endParaRPr lang="it-IT" dirty="0">
@@ -7437,18 +7918,106 @@
           </a:p>
           <a:p>
             <a:r>
-              <a:rPr lang="it-IT" dirty="0" smtClean="0">
-                <a:latin typeface="Times New Roman" panose="02020603050405020304" pitchFamily="18" charset="0"/>
-                <a:cs typeface="Times New Roman" panose="02020603050405020304" pitchFamily="18" charset="0"/>
-              </a:rPr>
-              <a:t>Riduce </a:t>
-            </a:r>
-            <a:r>
               <a:rPr lang="it-IT" dirty="0">
                 <a:latin typeface="Times New Roman" panose="02020603050405020304" pitchFamily="18" charset="0"/>
                 <a:cs typeface="Times New Roman" panose="02020603050405020304" pitchFamily="18" charset="0"/>
               </a:rPr>
-              <a:t>drasticamente lo spazio di ricerca.</a:t>
+              <a:t>Ogni colonna: </a:t>
+            </a:r>
+          </a:p>
+          <a:p>
+            <a:pPr marL="342900" indent="-342900">
+              <a:buFont typeface="+mj-lt"/>
+              <a:buAutoNum type="arabicPeriod"/>
+            </a:pPr>
+            <a:r>
+              <a:rPr lang="it-IT" dirty="0">
+                <a:latin typeface="Times New Roman" panose="02020603050405020304" pitchFamily="18" charset="0"/>
+                <a:cs typeface="Times New Roman" panose="02020603050405020304" pitchFamily="18" charset="0"/>
+              </a:rPr>
+              <a:t>serializzata (nome + valori)</a:t>
+            </a:r>
+          </a:p>
+          <a:p>
+            <a:pPr marL="342900" indent="-342900">
+              <a:buFont typeface="+mj-lt"/>
+              <a:buAutoNum type="arabicPeriod"/>
+            </a:pPr>
+            <a:r>
+              <a:rPr lang="it-IT" dirty="0">
+                <a:latin typeface="Times New Roman" panose="02020603050405020304" pitchFamily="18" charset="0"/>
+                <a:cs typeface="Times New Roman" panose="02020603050405020304" pitchFamily="18" charset="0"/>
+              </a:rPr>
+              <a:t>Convertita in </a:t>
+            </a:r>
+            <a:r>
+              <a:rPr lang="it-IT" dirty="0" err="1">
+                <a:latin typeface="Times New Roman" panose="02020603050405020304" pitchFamily="18" charset="0"/>
+                <a:cs typeface="Times New Roman" panose="02020603050405020304" pitchFamily="18" charset="0"/>
+              </a:rPr>
+              <a:t>embedding</a:t>
+            </a:r>
+            <a:endParaRPr lang="it-IT" dirty="0">
+              <a:latin typeface="Times New Roman" panose="02020603050405020304" pitchFamily="18" charset="0"/>
+              <a:cs typeface="Times New Roman" panose="02020603050405020304" pitchFamily="18" charset="0"/>
+            </a:endParaRPr>
+          </a:p>
+          <a:p>
+            <a:pPr marL="342900" indent="-342900">
+              <a:buFont typeface="+mj-lt"/>
+              <a:buAutoNum type="arabicPeriod"/>
+            </a:pPr>
+            <a:r>
+              <a:rPr lang="it-IT" dirty="0">
+                <a:latin typeface="Times New Roman" panose="02020603050405020304" pitchFamily="18" charset="0"/>
+                <a:cs typeface="Times New Roman" panose="02020603050405020304" pitchFamily="18" charset="0"/>
+              </a:rPr>
+              <a:t>Confronto tramite cosine </a:t>
+            </a:r>
+            <a:r>
+              <a:rPr lang="it-IT" dirty="0" err="1">
+                <a:latin typeface="Times New Roman" panose="02020603050405020304" pitchFamily="18" charset="0"/>
+                <a:cs typeface="Times New Roman" panose="02020603050405020304" pitchFamily="18" charset="0"/>
+              </a:rPr>
+              <a:t>similarity</a:t>
+            </a:r>
+            <a:endParaRPr lang="it-IT" dirty="0">
+              <a:latin typeface="Times New Roman" panose="02020603050405020304" pitchFamily="18" charset="0"/>
+              <a:cs typeface="Times New Roman" panose="02020603050405020304" pitchFamily="18" charset="0"/>
+            </a:endParaRPr>
+          </a:p>
+          <a:p>
+            <a:pPr marL="342900" indent="-342900">
+              <a:buFont typeface="+mj-lt"/>
+              <a:buAutoNum type="arabicPeriod"/>
+            </a:pPr>
+            <a:r>
+              <a:rPr lang="it-IT" dirty="0">
+                <a:latin typeface="Times New Roman" panose="02020603050405020304" pitchFamily="18" charset="0"/>
+                <a:cs typeface="Times New Roman" panose="02020603050405020304" pitchFamily="18" charset="0"/>
+              </a:rPr>
+              <a:t>Produce top-k candidati</a:t>
+            </a:r>
+          </a:p>
+          <a:p>
+            <a:endParaRPr lang="it-IT" dirty="0">
+              <a:latin typeface="Times New Roman" panose="02020603050405020304" pitchFamily="18" charset="0"/>
+              <a:cs typeface="Times New Roman" panose="02020603050405020304" pitchFamily="18" charset="0"/>
+            </a:endParaRPr>
+          </a:p>
+          <a:p>
+            <a:endParaRPr lang="it-IT" dirty="0">
+              <a:latin typeface="Times New Roman" panose="02020603050405020304" pitchFamily="18" charset="0"/>
+              <a:cs typeface="Times New Roman" panose="02020603050405020304" pitchFamily="18" charset="0"/>
+            </a:endParaRPr>
+          </a:p>
+          <a:p>
+            <a:r>
+              <a:rPr lang="it-IT" dirty="0">
+                <a:latin typeface="Times New Roman" panose="02020603050405020304" pitchFamily="18" charset="0"/>
+                <a:cs typeface="Times New Roman" panose="02020603050405020304" pitchFamily="18" charset="0"/>
+              </a:rPr>
+              <a:t>Riduce drasticamente lo spazio di ricerca.</a:t>
             </a:r>
           </a:p>
         </p:txBody>
@@ -7616,18 +8185,18 @@
           </a:lstStyle>
           <a:p>
             <a:r>
-              <a:rPr lang="it-IT" sz="1800" dirty="0" err="1" smtClean="0"/>
+              <a:rPr lang="it-IT" sz="1800" dirty="0" err="1"/>
               <a:t>HomeWork</a:t>
             </a:r>
             <a:r>
-              <a:rPr lang="it-IT" sz="1800" dirty="0" smtClean="0"/>
+              <a:rPr lang="it-IT" sz="1800" dirty="0"/>
               <a:t> 3</a:t>
             </a:r>
             <a:br>
-              <a:rPr lang="it-IT" sz="1800" dirty="0" smtClean="0"/>
+              <a:rPr lang="it-IT" sz="1800" dirty="0"/>
             </a:br>
             <a:r>
-              <a:rPr lang="it-IT" sz="1800" dirty="0" smtClean="0"/>
+              <a:rPr lang="it-IT" sz="1800" dirty="0"/>
               <a:t>Ingegneria dei Dati</a:t>
             </a:r>
             <a:endParaRPr lang="it-IT" sz="3000" dirty="0"/>
@@ -7643,7 +8212,7 @@
           <p:nvPr/>
         </p:nvPicPr>
         <p:blipFill>
-          <a:blip r:embed="rId2" cstate="print">
+          <a:blip r:embed="rId3" cstate="print">
             <a:extLst>
               <a:ext uri="{28A0092B-C50C-407E-A947-70E740481C1C}">
                 <a14:useLocalDpi xmlns:a14="http://schemas.microsoft.com/office/drawing/2010/main" val="0"/>
@@ -7766,7 +8335,7 @@
         <p:spPr>
           <a:xfrm>
             <a:off x="358806" y="2132856"/>
-            <a:ext cx="8245642" cy="4555093"/>
+            <a:ext cx="8245642" cy="5109091"/>
           </a:xfrm>
           <a:prstGeom prst="rect">
             <a:avLst/>
@@ -7783,14 +8352,7 @@
                 <a:latin typeface="Times New Roman" panose="02020603050405020304" pitchFamily="18" charset="0"/>
                 <a:cs typeface="Times New Roman" panose="02020603050405020304" pitchFamily="18" charset="0"/>
               </a:rPr>
-              <a:t>Serializzazione e </a:t>
-            </a:r>
-            <a:r>
-              <a:rPr lang="it-IT" sz="2000" b="1" dirty="0" smtClean="0">
-                <a:latin typeface="Times New Roman" panose="02020603050405020304" pitchFamily="18" charset="0"/>
-                <a:cs typeface="Times New Roman" panose="02020603050405020304" pitchFamily="18" charset="0"/>
-              </a:rPr>
-              <a:t>campionamento</a:t>
+              <a:t>Serializzazione e campionamento</a:t>
             </a:r>
           </a:p>
           <a:p>
@@ -7813,14 +8375,7 @@
                 <a:latin typeface="Times New Roman" panose="02020603050405020304" pitchFamily="18" charset="0"/>
                 <a:cs typeface="Times New Roman" panose="02020603050405020304" pitchFamily="18" charset="0"/>
               </a:rPr>
-              <a:t> interpretabile dal modello</a:t>
-            </a:r>
-            <a:r>
-              <a:rPr lang="it-IT" dirty="0" smtClean="0">
-                <a:latin typeface="Times New Roman" panose="02020603050405020304" pitchFamily="18" charset="0"/>
-                <a:cs typeface="Times New Roman" panose="02020603050405020304" pitchFamily="18" charset="0"/>
-              </a:rPr>
-              <a:t>.</a:t>
+              <a:t> interpretabile dal modello.</a:t>
             </a:r>
           </a:p>
           <a:p>
@@ -7846,30 +8401,42 @@
             </a:r>
           </a:p>
           <a:p>
+            <a:pPr marL="285750" indent="-285750">
+              <a:buFont typeface="Arial" panose="020B0604020202020204" pitchFamily="34" charset="0"/>
+              <a:buChar char="•"/>
+            </a:pPr>
             <a:r>
               <a:rPr lang="it-IT" dirty="0">
                 <a:latin typeface="Times New Roman" panose="02020603050405020304" pitchFamily="18" charset="0"/>
                 <a:cs typeface="Times New Roman" panose="02020603050405020304" pitchFamily="18" charset="0"/>
               </a:rPr>
-              <a:t>•	S default: nome colonna + valori separati da [SEP]</a:t>
-            </a:r>
-          </a:p>
-          <a:p>
+              <a:t>S default: nome colonna + valori separati da [SEP]</a:t>
+            </a:r>
+          </a:p>
+          <a:p>
+            <a:pPr marL="285750" indent="-285750">
+              <a:buFont typeface="Arial" panose="020B0604020202020204" pitchFamily="34" charset="0"/>
+              <a:buChar char="•"/>
+            </a:pPr>
             <a:r>
               <a:rPr lang="it-IT" dirty="0">
                 <a:latin typeface="Times New Roman" panose="02020603050405020304" pitchFamily="18" charset="0"/>
                 <a:cs typeface="Times New Roman" panose="02020603050405020304" pitchFamily="18" charset="0"/>
               </a:rPr>
-              <a:t>•	S verbose: aggiunta di prefissi descrittivi</a:t>
-            </a:r>
-          </a:p>
-          <a:p>
+              <a:t>S verbose: aggiunta di prefissi descrittivi</a:t>
+            </a:r>
+          </a:p>
+          <a:p>
+            <a:pPr marL="285750" indent="-285750">
+              <a:buFont typeface="Arial" panose="020B0604020202020204" pitchFamily="34" charset="0"/>
+              <a:buChar char="•"/>
+            </a:pPr>
             <a:r>
               <a:rPr lang="it-IT" dirty="0">
                 <a:latin typeface="Times New Roman" panose="02020603050405020304" pitchFamily="18" charset="0"/>
                 <a:cs typeface="Times New Roman" panose="02020603050405020304" pitchFamily="18" charset="0"/>
               </a:rPr>
-              <a:t>•	S </a:t>
+              <a:t>S </a:t>
             </a:r>
             <a:r>
               <a:rPr lang="it-IT" dirty="0" err="1">
@@ -7887,29 +8454,10 @@
             </a:r>
           </a:p>
           <a:p>
-            <a:r>
-              <a:rPr lang="it-IT" dirty="0">
-                <a:latin typeface="Times New Roman" panose="02020603050405020304" pitchFamily="18" charset="0"/>
-                <a:cs typeface="Times New Roman" panose="02020603050405020304" pitchFamily="18" charset="0"/>
-              </a:rPr>
-              <a:t>Viene inoltre introdotto un campionamento prioritario dei valori basato su frequenza e </a:t>
-            </a:r>
-            <a:r>
-              <a:rPr lang="it-IT" dirty="0" err="1">
-                <a:latin typeface="Times New Roman" panose="02020603050405020304" pitchFamily="18" charset="0"/>
-                <a:cs typeface="Times New Roman" panose="02020603050405020304" pitchFamily="18" charset="0"/>
-              </a:rPr>
-              <a:t>hashing</a:t>
-            </a:r>
-            <a:r>
-              <a:rPr lang="it-IT" dirty="0">
-                <a:latin typeface="Times New Roman" panose="02020603050405020304" pitchFamily="18" charset="0"/>
-                <a:cs typeface="Times New Roman" panose="02020603050405020304" pitchFamily="18" charset="0"/>
-              </a:rPr>
-              <a:t>, per selezionare valori rappresentativi riducendo il rumore.</a:t>
-            </a:r>
-          </a:p>
-          <a:p>
+            <a:pPr marL="285750" indent="-285750">
+              <a:buFont typeface="Arial" panose="020B0604020202020204" pitchFamily="34" charset="0"/>
+              <a:buChar char="•"/>
+            </a:pPr>
             <a:endParaRPr lang="it-IT" dirty="0">
               <a:latin typeface="Times New Roman" panose="02020603050405020304" pitchFamily="18" charset="0"/>
               <a:cs typeface="Times New Roman" panose="02020603050405020304" pitchFamily="18" charset="0"/>
@@ -7917,30 +8465,74 @@
           </a:p>
           <a:p>
             <a:r>
-              <a:rPr lang="it-IT" dirty="0" smtClean="0">
-                <a:latin typeface="Times New Roman" panose="02020603050405020304" pitchFamily="18" charset="0"/>
-                <a:cs typeface="Times New Roman" panose="02020603050405020304" pitchFamily="18" charset="0"/>
-              </a:rPr>
-              <a:t>Tecniche</a:t>
-            </a:r>
-            <a:r>
               <a:rPr lang="it-IT" dirty="0">
                 <a:latin typeface="Times New Roman" panose="02020603050405020304" pitchFamily="18" charset="0"/>
                 <a:cs typeface="Times New Roman" panose="02020603050405020304" pitchFamily="18" charset="0"/>
               </a:rPr>
-              <a:t>:</a:t>
-            </a:r>
-          </a:p>
-          <a:p>
+              <a:t>Viene inoltre introdotto un campionamento prioritario dei valori basato su frequenza (valori che compaiono più spesso nella colonna) e min </a:t>
+            </a:r>
+            <a:r>
+              <a:rPr lang="it-IT" dirty="0" err="1">
+                <a:latin typeface="Times New Roman" panose="02020603050405020304" pitchFamily="18" charset="0"/>
+                <a:cs typeface="Times New Roman" panose="02020603050405020304" pitchFamily="18" charset="0"/>
+              </a:rPr>
+              <a:t>hashing</a:t>
+            </a:r>
             <a:r>
               <a:rPr lang="it-IT" dirty="0">
                 <a:latin typeface="Times New Roman" panose="02020603050405020304" pitchFamily="18" charset="0"/>
                 <a:cs typeface="Times New Roman" panose="02020603050405020304" pitchFamily="18" charset="0"/>
               </a:rPr>
+              <a:t> (</a:t>
+            </a:r>
+            <a:r>
+              <a:rPr lang="it-IT" dirty="0" err="1">
+                <a:latin typeface="Times New Roman" panose="02020603050405020304" pitchFamily="18" charset="0"/>
+                <a:cs typeface="Times New Roman" panose="02020603050405020304" pitchFamily="18" charset="0"/>
+              </a:rPr>
+              <a:t>hash</a:t>
+            </a:r>
+            <a:r>
+              <a:rPr lang="it-IT" dirty="0">
+                <a:latin typeface="Times New Roman" panose="02020603050405020304" pitchFamily="18" charset="0"/>
+                <a:cs typeface="Times New Roman" panose="02020603050405020304" pitchFamily="18" charset="0"/>
+              </a:rPr>
+              <a:t> di ogni parola per poi prendere i più bassi), per selezionare valori rappresentativi riducendo il rumore.</a:t>
+            </a:r>
+          </a:p>
+          <a:p>
+            <a:endParaRPr lang="it-IT" dirty="0">
+              <a:latin typeface="Times New Roman" panose="02020603050405020304" pitchFamily="18" charset="0"/>
+              <a:cs typeface="Times New Roman" panose="02020603050405020304" pitchFamily="18" charset="0"/>
+            </a:endParaRPr>
+          </a:p>
+          <a:p>
+            <a:r>
+              <a:rPr lang="it-IT" dirty="0">
+                <a:latin typeface="Times New Roman" panose="02020603050405020304" pitchFamily="18" charset="0"/>
+                <a:cs typeface="Times New Roman" panose="02020603050405020304" pitchFamily="18" charset="0"/>
+              </a:rPr>
+              <a:t>Tecniche:</a:t>
+            </a:r>
+          </a:p>
+          <a:p>
+            <a:pPr marL="285750" indent="-285750">
+              <a:buFont typeface="Arial" panose="020B0604020202020204" pitchFamily="34" charset="0"/>
+              <a:buChar char="•"/>
+            </a:pPr>
+            <a:r>
+              <a:rPr lang="it-IT" dirty="0">
+                <a:latin typeface="Times New Roman" panose="02020603050405020304" pitchFamily="18" charset="0"/>
+                <a:cs typeface="Times New Roman" panose="02020603050405020304" pitchFamily="18" charset="0"/>
+              </a:rPr>
               <a:t>serializzazione intelligente</a:t>
             </a:r>
           </a:p>
           <a:p>
+            <a:pPr marL="285750" indent="-285750">
+              <a:buFont typeface="Arial" panose="020B0604020202020204" pitchFamily="34" charset="0"/>
+              <a:buChar char="•"/>
+            </a:pPr>
             <a:r>
               <a:rPr lang="it-IT" dirty="0">
                 <a:latin typeface="Times New Roman" panose="02020603050405020304" pitchFamily="18" charset="0"/>
@@ -7950,22 +8542,23 @@
             </a:r>
           </a:p>
           <a:p>
+            <a:pPr marL="285750" indent="-285750">
+              <a:buFont typeface="Arial" panose="020B0604020202020204" pitchFamily="34" charset="0"/>
+              <a:buChar char="•"/>
+            </a:pPr>
             <a:r>
               <a:rPr lang="it-IT" dirty="0">
                 <a:latin typeface="Times New Roman" panose="02020603050405020304" pitchFamily="18" charset="0"/>
                 <a:cs typeface="Times New Roman" panose="02020603050405020304" pitchFamily="18" charset="0"/>
               </a:rPr>
-              <a:t>riduzione </a:t>
-            </a:r>
-            <a:r>
-              <a:rPr lang="it-IT" dirty="0" smtClean="0">
-                <a:latin typeface="Times New Roman" panose="02020603050405020304" pitchFamily="18" charset="0"/>
-                <a:cs typeface="Times New Roman" panose="02020603050405020304" pitchFamily="18" charset="0"/>
-              </a:rPr>
-              <a:t>rumore</a:t>
-            </a:r>
-          </a:p>
-          <a:p>
+              <a:t>riduzione rumore</a:t>
+            </a:r>
+          </a:p>
+          <a:p>
+            <a:pPr marL="285750" indent="-285750">
+              <a:buFont typeface="Arial" panose="020B0604020202020204" pitchFamily="34" charset="0"/>
+              <a:buChar char="•"/>
+            </a:pPr>
             <a:endParaRPr lang="it-IT" dirty="0"/>
           </a:p>
         </p:txBody>
@@ -8133,18 +8726,18 @@
           </a:lstStyle>
           <a:p>
             <a:r>
-              <a:rPr lang="it-IT" sz="1800" dirty="0" err="1" smtClean="0"/>
+              <a:rPr lang="it-IT" sz="1800" dirty="0" err="1"/>
               <a:t>HomeWork</a:t>
             </a:r>
             <a:r>
-              <a:rPr lang="it-IT" sz="1800" dirty="0" smtClean="0"/>
+              <a:rPr lang="it-IT" sz="1800" dirty="0"/>
               <a:t> 3</a:t>
             </a:r>
             <a:br>
-              <a:rPr lang="it-IT" sz="1800" dirty="0" smtClean="0"/>
+              <a:rPr lang="it-IT" sz="1800" dirty="0"/>
             </a:br>
             <a:r>
-              <a:rPr lang="it-IT" sz="1800" dirty="0" smtClean="0"/>
+              <a:rPr lang="it-IT" sz="1800" dirty="0"/>
               <a:t>Ingegneria dei Dati</a:t>
             </a:r>
             <a:endParaRPr lang="it-IT" sz="3000" dirty="0"/>
@@ -8283,7 +8876,7 @@
         <p:spPr>
           <a:xfrm>
             <a:off x="323528" y="2204864"/>
-            <a:ext cx="8136904" cy="3724096"/>
+            <a:ext cx="8136904" cy="4001095"/>
           </a:xfrm>
           <a:prstGeom prst="rect">
             <a:avLst/>
@@ -8315,14 +8908,7 @@
                 <a:latin typeface="Times New Roman" panose="02020603050405020304" pitchFamily="18" charset="0"/>
                 <a:cs typeface="Times New Roman" panose="02020603050405020304" pitchFamily="18" charset="0"/>
               </a:rPr>
-              <a:t> (LLM</a:t>
-            </a:r>
-            <a:r>
-              <a:rPr lang="it-IT" sz="2000" b="1" dirty="0" smtClean="0">
-                <a:latin typeface="Times New Roman" panose="02020603050405020304" pitchFamily="18" charset="0"/>
-                <a:cs typeface="Times New Roman" panose="02020603050405020304" pitchFamily="18" charset="0"/>
-              </a:rPr>
-              <a:t>)</a:t>
+              <a:t> (LLM)</a:t>
             </a:r>
           </a:p>
           <a:p>
@@ -8335,97 +8921,28 @@
           <a:p>
             <a:pPr algn="just"/>
             <a:r>
-              <a:rPr lang="it-IT" dirty="0" smtClean="0">
-                <a:latin typeface="Times New Roman" panose="02020603050405020304" pitchFamily="18" charset="0"/>
-                <a:cs typeface="Times New Roman" panose="02020603050405020304" pitchFamily="18" charset="0"/>
-              </a:rPr>
-              <a:t>LLM </a:t>
-            </a:r>
-            <a:r>
               <a:rPr lang="it-IT" dirty="0">
                 <a:latin typeface="Times New Roman" panose="02020603050405020304" pitchFamily="18" charset="0"/>
                 <a:cs typeface="Times New Roman" panose="02020603050405020304" pitchFamily="18" charset="0"/>
               </a:rPr>
-              <a:t>riceve solo i Top-k candidati</a:t>
-            </a:r>
-            <a:r>
-              <a:rPr lang="it-IT" dirty="0" smtClean="0">
-                <a:latin typeface="Times New Roman" panose="02020603050405020304" pitchFamily="18" charset="0"/>
-                <a:cs typeface="Times New Roman" panose="02020603050405020304" pitchFamily="18" charset="0"/>
-              </a:rPr>
-              <a:t>:</a:t>
+              <a:t>LLM riceve solo i top-k candidati:</a:t>
             </a:r>
           </a:p>
           <a:p>
             <a:pPr algn="just"/>
             <a:r>
-              <a:rPr lang="it-IT" dirty="0" err="1" smtClean="0">
+              <a:rPr lang="it-IT" dirty="0" err="1">
                 <a:latin typeface="Times New Roman" panose="02020603050405020304" pitchFamily="18" charset="0"/>
                 <a:cs typeface="Times New Roman" panose="02020603050405020304" pitchFamily="18" charset="0"/>
               </a:rPr>
               <a:t>Prompt</a:t>
             </a:r>
             <a:r>
-              <a:rPr lang="it-IT" dirty="0" smtClean="0">
-                <a:latin typeface="Times New Roman" panose="02020603050405020304" pitchFamily="18" charset="0"/>
-                <a:cs typeface="Times New Roman" panose="02020603050405020304" pitchFamily="18" charset="0"/>
-              </a:rPr>
-              <a:t>:“</a:t>
-            </a:r>
-            <a:r>
               <a:rPr lang="it-IT" dirty="0">
                 <a:latin typeface="Times New Roman" panose="02020603050405020304" pitchFamily="18" charset="0"/>
                 <a:cs typeface="Times New Roman" panose="02020603050405020304" pitchFamily="18" charset="0"/>
               </a:rPr>
-              <a:t>Quanto sono semanticamente simili queste due colonne? Score 0–1</a:t>
-            </a:r>
-            <a:r>
-              <a:rPr lang="it-IT" dirty="0" smtClean="0">
-                <a:latin typeface="Times New Roman" panose="02020603050405020304" pitchFamily="18" charset="0"/>
-                <a:cs typeface="Times New Roman" panose="02020603050405020304" pitchFamily="18" charset="0"/>
-              </a:rPr>
-              <a:t>”</a:t>
-            </a:r>
-          </a:p>
-          <a:p>
-            <a:pPr algn="just"/>
-            <a:endParaRPr lang="it-IT" dirty="0" smtClean="0">
-              <a:latin typeface="Times New Roman" panose="02020603050405020304" pitchFamily="18" charset="0"/>
-              <a:cs typeface="Times New Roman" panose="02020603050405020304" pitchFamily="18" charset="0"/>
-            </a:endParaRPr>
-          </a:p>
-          <a:p>
-            <a:pPr algn="just"/>
-            <a:r>
-              <a:rPr lang="it-IT" dirty="0">
-                <a:latin typeface="Times New Roman" panose="02020603050405020304" pitchFamily="18" charset="0"/>
-                <a:cs typeface="Times New Roman" panose="02020603050405020304" pitchFamily="18" charset="0"/>
-              </a:rPr>
-              <a:t>Gli LLM intervengono solo sui migliori k candidati per ogni colonna, assegnando punteggi di similarità tramite </a:t>
-            </a:r>
-            <a:r>
-              <a:rPr lang="it-IT" dirty="0" err="1">
-                <a:latin typeface="Times New Roman" panose="02020603050405020304" pitchFamily="18" charset="0"/>
-                <a:cs typeface="Times New Roman" panose="02020603050405020304" pitchFamily="18" charset="0"/>
-              </a:rPr>
-              <a:t>prompt</a:t>
-            </a:r>
-            <a:r>
-              <a:rPr lang="it-IT" dirty="0">
-                <a:latin typeface="Times New Roman" panose="02020603050405020304" pitchFamily="18" charset="0"/>
-                <a:cs typeface="Times New Roman" panose="02020603050405020304" pitchFamily="18" charset="0"/>
-              </a:rPr>
-              <a:t> progettati ad hoc.</a:t>
-            </a:r>
-          </a:p>
-          <a:p>
-            <a:pPr algn="just"/>
-            <a:r>
-              <a:rPr lang="it-IT" dirty="0">
-                <a:latin typeface="Times New Roman" panose="02020603050405020304" pitchFamily="18" charset="0"/>
-                <a:cs typeface="Times New Roman" panose="02020603050405020304" pitchFamily="18" charset="0"/>
-              </a:rPr>
-              <a:t>Questo consente di sfruttare la conoscenza semantica dell’LLM minimizzando il numero di chiamate API e rispettando i limiti di contesto.</a:t>
+              <a:t>:“Quanto sono semanticamente simili queste due colonne? Score [0,1]”</a:t>
             </a:r>
           </a:p>
           <a:p>
@@ -8438,32 +8955,35 @@
           <a:p>
             <a:pPr algn="just"/>
             <a:r>
-              <a:rPr lang="it-IT" dirty="0" err="1" smtClean="0">
-                <a:latin typeface="Times New Roman" panose="02020603050405020304" pitchFamily="18" charset="0"/>
-                <a:cs typeface="Times New Roman" panose="02020603050405020304" pitchFamily="18" charset="0"/>
-              </a:rPr>
-              <a:t>Few-shot</a:t>
-            </a:r>
-            <a:r>
-              <a:rPr lang="it-IT" dirty="0" smtClean="0">
-                <a:latin typeface="Times New Roman" panose="02020603050405020304" pitchFamily="18" charset="0"/>
-                <a:cs typeface="Times New Roman" panose="02020603050405020304" pitchFamily="18" charset="0"/>
-              </a:rPr>
-              <a:t> </a:t>
+              <a:rPr lang="it-IT" dirty="0">
+                <a:latin typeface="Times New Roman" panose="02020603050405020304" pitchFamily="18" charset="0"/>
+                <a:cs typeface="Times New Roman" panose="02020603050405020304" pitchFamily="18" charset="0"/>
+              </a:rPr>
+              <a:t>Gli LLM intervengono solo sui migliori k candidati per ogni colonna, assegnando punteggi di similarità tramite </a:t>
             </a:r>
             <a:r>
               <a:rPr lang="it-IT" dirty="0" err="1">
                 <a:latin typeface="Times New Roman" panose="02020603050405020304" pitchFamily="18" charset="0"/>
                 <a:cs typeface="Times New Roman" panose="02020603050405020304" pitchFamily="18" charset="0"/>
               </a:rPr>
-              <a:t>learning</a:t>
-            </a:r>
-            <a:r>
-              <a:rPr lang="it-IT" dirty="0" smtClean="0">
-                <a:latin typeface="Times New Roman" panose="02020603050405020304" pitchFamily="18" charset="0"/>
-                <a:cs typeface="Times New Roman" panose="02020603050405020304" pitchFamily="18" charset="0"/>
-              </a:rPr>
-              <a:t>.</a:t>
+              <a:t>prompt</a:t>
+            </a:r>
+            <a:r>
+              <a:rPr lang="it-IT" dirty="0">
+                <a:latin typeface="Times New Roman" panose="02020603050405020304" pitchFamily="18" charset="0"/>
+                <a:cs typeface="Times New Roman" panose="02020603050405020304" pitchFamily="18" charset="0"/>
+              </a:rPr>
+              <a:t> progettati ad hoc.</a:t>
+            </a:r>
+          </a:p>
+          <a:p>
+            <a:pPr algn="just"/>
+            <a:r>
+              <a:rPr lang="it-IT" dirty="0">
+                <a:latin typeface="Times New Roman" panose="02020603050405020304" pitchFamily="18" charset="0"/>
+                <a:cs typeface="Times New Roman" panose="02020603050405020304" pitchFamily="18" charset="0"/>
+              </a:rPr>
+              <a:t>Questo consente di sfruttare la conoscenza semantica dell’LLM minimizzando il numero di chiamate API e rispettando i limiti di contesto.</a:t>
             </a:r>
           </a:p>
           <a:p>
@@ -8476,18 +8996,49 @@
           <a:p>
             <a:pPr algn="just"/>
             <a:r>
-              <a:rPr lang="it-IT" dirty="0" smtClean="0">
-                <a:latin typeface="Times New Roman" panose="02020603050405020304" pitchFamily="18" charset="0"/>
-                <a:cs typeface="Times New Roman" panose="02020603050405020304" pitchFamily="18" charset="0"/>
-              </a:rPr>
-              <a:t>LLM </a:t>
+              <a:rPr lang="it-IT" dirty="0" err="1">
+                <a:latin typeface="Times New Roman" panose="02020603050405020304" pitchFamily="18" charset="0"/>
+                <a:cs typeface="Times New Roman" panose="02020603050405020304" pitchFamily="18" charset="0"/>
+              </a:rPr>
+              <a:t>Few</a:t>
             </a:r>
             <a:r>
               <a:rPr lang="it-IT" dirty="0">
                 <a:latin typeface="Times New Roman" panose="02020603050405020304" pitchFamily="18" charset="0"/>
                 <a:cs typeface="Times New Roman" panose="02020603050405020304" pitchFamily="18" charset="0"/>
               </a:rPr>
-              <a:t>fa confronti semantici profondi impossibili per SLM.</a:t>
+              <a:t>-shot learning (invece di </a:t>
+            </a:r>
+            <a:r>
+              <a:rPr lang="it-IT" dirty="0" err="1">
+                <a:latin typeface="Times New Roman" panose="02020603050405020304" pitchFamily="18" charset="0"/>
+                <a:cs typeface="Times New Roman" panose="02020603050405020304" pitchFamily="18" charset="0"/>
+              </a:rPr>
+              <a:t>ri</a:t>
+            </a:r>
+            <a:r>
+              <a:rPr lang="it-IT" dirty="0">
+                <a:latin typeface="Times New Roman" panose="02020603050405020304" pitchFamily="18" charset="0"/>
+                <a:cs typeface="Times New Roman" panose="02020603050405020304" pitchFamily="18" charset="0"/>
+              </a:rPr>
+              <a:t>-addestrare il modello da zero, gli si fornisce nel prompt un esempio pratico di come deve rispondere)</a:t>
+            </a:r>
+          </a:p>
+          <a:p>
+            <a:pPr algn="just"/>
+            <a:endParaRPr lang="it-IT" dirty="0">
+              <a:latin typeface="Times New Roman" panose="02020603050405020304" pitchFamily="18" charset="0"/>
+              <a:cs typeface="Times New Roman" panose="02020603050405020304" pitchFamily="18" charset="0"/>
+            </a:endParaRPr>
+          </a:p>
+          <a:p>
+            <a:pPr algn="just"/>
+            <a:r>
+              <a:rPr lang="it-IT" dirty="0">
+                <a:latin typeface="Times New Roman" panose="02020603050405020304" pitchFamily="18" charset="0"/>
+                <a:cs typeface="Times New Roman" panose="02020603050405020304" pitchFamily="18" charset="0"/>
+              </a:rPr>
+              <a:t>LLM fa confronti semantici profondi impossibili per SLM.</a:t>
             </a:r>
           </a:p>
         </p:txBody>
@@ -8655,18 +9206,18 @@
           </a:lstStyle>
           <a:p>
             <a:r>
-              <a:rPr lang="it-IT" sz="1800" dirty="0" err="1" smtClean="0"/>
+              <a:rPr lang="it-IT" sz="1800" dirty="0" err="1"/>
               <a:t>HomeWork</a:t>
             </a:r>
             <a:r>
-              <a:rPr lang="it-IT" sz="1800" dirty="0" smtClean="0"/>
+              <a:rPr lang="it-IT" sz="1800" dirty="0"/>
               <a:t> 3</a:t>
             </a:r>
             <a:br>
-              <a:rPr lang="it-IT" sz="1800" dirty="0" smtClean="0"/>
+              <a:rPr lang="it-IT" sz="1800" dirty="0"/>
             </a:br>
             <a:r>
-              <a:rPr lang="it-IT" sz="1800" dirty="0" smtClean="0"/>
+              <a:rPr lang="it-IT" sz="1800" dirty="0"/>
               <a:t>Ingegneria dei Dati</a:t>
             </a:r>
             <a:endParaRPr lang="it-IT" sz="3000" dirty="0"/>
@@ -8823,14 +9374,7 @@
                 <a:latin typeface="Times New Roman" panose="02020603050405020304" pitchFamily="18" charset="0"/>
                 <a:cs typeface="Times New Roman" panose="02020603050405020304" pitchFamily="18" charset="0"/>
               </a:rPr>
-              <a:t>Addestrare gli SLM senza dati </a:t>
-            </a:r>
-            <a:r>
-              <a:rPr lang="it-IT" sz="2000" b="1" dirty="0" smtClean="0">
-                <a:latin typeface="Times New Roman" panose="02020603050405020304" pitchFamily="18" charset="0"/>
-                <a:cs typeface="Times New Roman" panose="02020603050405020304" pitchFamily="18" charset="0"/>
-              </a:rPr>
-              <a:t>annotati</a:t>
+              <a:t>Addestrare gli SLM senza dati annotati</a:t>
             </a:r>
           </a:p>
           <a:p>
@@ -8857,21 +9401,7 @@
                 <a:latin typeface="Times New Roman" panose="02020603050405020304" pitchFamily="18" charset="0"/>
                 <a:cs typeface="Times New Roman" panose="02020603050405020304" pitchFamily="18" charset="0"/>
               </a:rPr>
-              <a:t>Gli LLM vengono utilizzati per generare colonne sinteticamente diverse ma semanticamente equivalenti, che fungono da esempi positivi per un processo di apprendimento contrastivo </a:t>
-            </a:r>
-            <a:r>
-              <a:rPr lang="it-IT" dirty="0" err="1">
-                <a:latin typeface="Times New Roman" panose="02020603050405020304" pitchFamily="18" charset="0"/>
-                <a:cs typeface="Times New Roman" panose="02020603050405020304" pitchFamily="18" charset="0"/>
-              </a:rPr>
-              <a:t>autosupervisionato</a:t>
-            </a:r>
-            <a:r>
-              <a:rPr lang="it-IT" dirty="0" smtClean="0">
-                <a:latin typeface="Times New Roman" panose="02020603050405020304" pitchFamily="18" charset="0"/>
-                <a:cs typeface="Times New Roman" panose="02020603050405020304" pitchFamily="18" charset="0"/>
-              </a:rPr>
-              <a:t>.</a:t>
+              <a:t>Gli LLM vengono utilizzati per generare colonne sinteticamente diverse ma semanticamente equivalenti, che fungono da esempi positivi per un processo di apprendimento auto supervisionato.</a:t>
             </a:r>
           </a:p>
           <a:p>
@@ -8892,13 +9422,36 @@
             </a:r>
           </a:p>
           <a:p>
-            <a:pPr algn="just"/>
+            <a:pPr marL="285750" indent="-285750" algn="just">
+              <a:buFont typeface="Arial" panose="020B0604020202020204" pitchFamily="34" charset="0"/>
+              <a:buChar char="•"/>
+            </a:pPr>
+            <a:r>
+              <a:rPr lang="it-IT" dirty="0" err="1">
+                <a:latin typeface="Times New Roman" panose="02020603050405020304" pitchFamily="18" charset="0"/>
+                <a:cs typeface="Times New Roman" panose="02020603050405020304" pitchFamily="18" charset="0"/>
+              </a:rPr>
+              <a:t>Triplet</a:t>
+            </a:r>
             <a:r>
               <a:rPr lang="it-IT" dirty="0">
                 <a:latin typeface="Times New Roman" panose="02020603050405020304" pitchFamily="18" charset="0"/>
                 <a:cs typeface="Times New Roman" panose="02020603050405020304" pitchFamily="18" charset="0"/>
               </a:rPr>
-              <a:t>•	</a:t>
+              <a:t> Loss: il modello lavora con triplette di colonne anchor (colonna originale es. "Prezzo"), positive (colonna generata dall'LLM es. "Costo") e negative (colonna presa a caso es. "Città") con l’obiettivo di avvicinare nello spazio vettoriale l’ancora al positivo e allontanare il più possibile il negativo</a:t>
+            </a:r>
+          </a:p>
+          <a:p>
+            <a:pPr marL="285750" indent="-285750" algn="just">
+              <a:buFont typeface="Arial" panose="020B0604020202020204" pitchFamily="34" charset="0"/>
+              <a:buChar char="•"/>
+            </a:pPr>
+            <a:r>
+              <a:rPr lang="it-IT" dirty="0">
+                <a:latin typeface="Times New Roman" panose="02020603050405020304" pitchFamily="18" charset="0"/>
+                <a:cs typeface="Times New Roman" panose="02020603050405020304" pitchFamily="18" charset="0"/>
+              </a:rPr>
+              <a:t>Online </a:t>
             </a:r>
             <a:r>
               <a:rPr lang="it-IT" dirty="0" err="1">
@@ -8912,109 +9465,35 @@
                 <a:latin typeface="Times New Roman" panose="02020603050405020304" pitchFamily="18" charset="0"/>
                 <a:cs typeface="Times New Roman" panose="02020603050405020304" pitchFamily="18" charset="0"/>
               </a:rPr>
-              <a:t> </a:t>
+              <a:t> Mining: cerca apposta gli esempi difficili costringendo il modello a distinguere tra concetti simili ma diversi e rendendo gli </a:t>
             </a:r>
             <a:r>
               <a:rPr lang="it-IT" dirty="0" err="1">
                 <a:latin typeface="Times New Roman" panose="02020603050405020304" pitchFamily="18" charset="0"/>
                 <a:cs typeface="Times New Roman" panose="02020603050405020304" pitchFamily="18" charset="0"/>
               </a:rPr>
-              <a:t>Loss</a:t>
-            </a:r>
-            <a:endParaRPr lang="it-IT" dirty="0">
-              <a:latin typeface="Times New Roman" panose="02020603050405020304" pitchFamily="18" charset="0"/>
-              <a:cs typeface="Times New Roman" panose="02020603050405020304" pitchFamily="18" charset="0"/>
-            </a:endParaRPr>
-          </a:p>
-          <a:p>
-            <a:pPr algn="just"/>
+              <a:t>embeddings</a:t>
+            </a:r>
             <a:r>
               <a:rPr lang="it-IT" dirty="0">
                 <a:latin typeface="Times New Roman" panose="02020603050405020304" pitchFamily="18" charset="0"/>
                 <a:cs typeface="Times New Roman" panose="02020603050405020304" pitchFamily="18" charset="0"/>
               </a:rPr>
-              <a:t>•	Online </a:t>
-            </a:r>
-            <a:r>
-              <a:rPr lang="it-IT" dirty="0" err="1">
-                <a:latin typeface="Times New Roman" panose="02020603050405020304" pitchFamily="18" charset="0"/>
-                <a:cs typeface="Times New Roman" panose="02020603050405020304" pitchFamily="18" charset="0"/>
-              </a:rPr>
-              <a:t>Triplet</a:t>
-            </a:r>
+              <a:t> molto discriminanti</a:t>
+            </a:r>
+          </a:p>
+          <a:p>
+            <a:pPr marL="285750" indent="-285750" algn="just">
+              <a:buFont typeface="Arial" panose="020B0604020202020204" pitchFamily="34" charset="0"/>
+              <a:buChar char="•"/>
+            </a:pPr>
             <a:r>
               <a:rPr lang="it-IT" dirty="0">
                 <a:latin typeface="Times New Roman" panose="02020603050405020304" pitchFamily="18" charset="0"/>
                 <a:cs typeface="Times New Roman" panose="02020603050405020304" pitchFamily="18" charset="0"/>
               </a:rPr>
-              <a:t> </a:t>
-            </a:r>
-            <a:r>
-              <a:rPr lang="it-IT" dirty="0" err="1">
-                <a:latin typeface="Times New Roman" panose="02020603050405020304" pitchFamily="18" charset="0"/>
-                <a:cs typeface="Times New Roman" panose="02020603050405020304" pitchFamily="18" charset="0"/>
-              </a:rPr>
-              <a:t>Mining</a:t>
-            </a:r>
-            <a:endParaRPr lang="it-IT" dirty="0">
-              <a:latin typeface="Times New Roman" panose="02020603050405020304" pitchFamily="18" charset="0"/>
-              <a:cs typeface="Times New Roman" panose="02020603050405020304" pitchFamily="18" charset="0"/>
-            </a:endParaRPr>
-          </a:p>
-          <a:p>
-            <a:pPr algn="just"/>
-            <a:r>
-              <a:rPr lang="it-IT" dirty="0">
-                <a:latin typeface="Times New Roman" panose="02020603050405020304" pitchFamily="18" charset="0"/>
-                <a:cs typeface="Times New Roman" panose="02020603050405020304" pitchFamily="18" charset="0"/>
-              </a:rPr>
-              <a:t>•	Classi di colonne derivate dalla stessa </a:t>
-            </a:r>
-            <a:r>
-              <a:rPr lang="it-IT" dirty="0" smtClean="0">
-                <a:latin typeface="Times New Roman" panose="02020603050405020304" pitchFamily="18" charset="0"/>
-                <a:cs typeface="Times New Roman" panose="02020603050405020304" pitchFamily="18" charset="0"/>
-              </a:rPr>
-              <a:t>ancora</a:t>
-            </a:r>
-          </a:p>
-          <a:p>
-            <a:pPr algn="just"/>
-            <a:endParaRPr lang="it-IT" dirty="0">
-              <a:latin typeface="Times New Roman" panose="02020603050405020304" pitchFamily="18" charset="0"/>
-              <a:cs typeface="Times New Roman" panose="02020603050405020304" pitchFamily="18" charset="0"/>
-            </a:endParaRPr>
-          </a:p>
-          <a:p>
-            <a:pPr algn="just"/>
-            <a:r>
-              <a:rPr lang="it-IT" dirty="0">
-                <a:latin typeface="Times New Roman" panose="02020603050405020304" pitchFamily="18" charset="0"/>
-                <a:cs typeface="Times New Roman" panose="02020603050405020304" pitchFamily="18" charset="0"/>
-              </a:rPr>
-              <a:t>Questo permette di costruire </a:t>
-            </a:r>
-            <a:r>
-              <a:rPr lang="it-IT" dirty="0" err="1">
-                <a:latin typeface="Times New Roman" panose="02020603050405020304" pitchFamily="18" charset="0"/>
-                <a:cs typeface="Times New Roman" panose="02020603050405020304" pitchFamily="18" charset="0"/>
-              </a:rPr>
-              <a:t>embedding</a:t>
-            </a:r>
-            <a:r>
-              <a:rPr lang="it-IT" dirty="0">
-                <a:latin typeface="Times New Roman" panose="02020603050405020304" pitchFamily="18" charset="0"/>
-                <a:cs typeface="Times New Roman" panose="02020603050405020304" pitchFamily="18" charset="0"/>
-              </a:rPr>
-              <a:t> altamente discriminativi senza dati annotati manualmente.</a:t>
-            </a:r>
-          </a:p>
-          <a:p>
-            <a:pPr algn="just"/>
-            <a:endParaRPr lang="it-IT" dirty="0">
-              <a:latin typeface="Times New Roman" panose="02020603050405020304" pitchFamily="18" charset="0"/>
-              <a:cs typeface="Times New Roman" panose="02020603050405020304" pitchFamily="18" charset="0"/>
-            </a:endParaRPr>
+              <a:t>Classi di colonne derivate dalla stessa ancora</a:t>
+            </a:r>
           </a:p>
         </p:txBody>
       </p:sp>
@@ -9312,4 +9791,319 @@
   <a:objectDefaults/>
   <a:extraClrSchemeLst/>
 </a:theme>
+</file>
+
+<file path=ppt/theme/theme2.xml><?xml version="1.0" encoding="utf-8"?>
+<a:theme xmlns:a="http://schemas.openxmlformats.org/drawingml/2006/main" name="Tema di Office">
+  <a:themeElements>
+    <a:clrScheme name="Office">
+      <a:dk1>
+        <a:sysClr val="windowText" lastClr="000000"/>
+      </a:dk1>
+      <a:lt1>
+        <a:sysClr val="window" lastClr="FFFFFF"/>
+      </a:lt1>
+      <a:dk2>
+        <a:srgbClr val="0E2841"/>
+      </a:dk2>
+      <a:lt2>
+        <a:srgbClr val="E8E8E8"/>
+      </a:lt2>
+      <a:accent1>
+        <a:srgbClr val="156082"/>
+      </a:accent1>
+      <a:accent2>
+        <a:srgbClr val="E97132"/>
+      </a:accent2>
+      <a:accent3>
+        <a:srgbClr val="196B24"/>
+      </a:accent3>
+      <a:accent4>
+        <a:srgbClr val="0F9ED5"/>
+      </a:accent4>
+      <a:accent5>
+        <a:srgbClr val="A02B93"/>
+      </a:accent5>
+      <a:accent6>
+        <a:srgbClr val="4EA72E"/>
+      </a:accent6>
+      <a:hlink>
+        <a:srgbClr val="467886"/>
+      </a:hlink>
+      <a:folHlink>
+        <a:srgbClr val="96607D"/>
+      </a:folHlink>
+    </a:clrScheme>
+    <a:fontScheme name="Office">
+      <a:majorFont>
+        <a:latin typeface="Aptos Display" panose="02110004020202020204"/>
+        <a:ea typeface=""/>
+        <a:cs typeface=""/>
+        <a:font script="Jpan" typeface="游ゴシック Light"/>
+        <a:font script="Hang" typeface="맑은 고딕"/>
+        <a:font script="Hans" typeface="等线 Light"/>
+        <a:font script="Hant" typeface="新細明體"/>
+        <a:font script="Arab" typeface="Times New Roman"/>
+        <a:font script="Hebr" typeface="Times New Roman"/>
+        <a:font script="Thai" typeface="Angsana New"/>
+        <a:font script="Ethi" typeface="Nyala"/>
+        <a:font script="Beng" typeface="Vrinda"/>
+        <a:font script="Gujr" typeface="Shruti"/>
+        <a:font script="Khmr" typeface="MoolBoran"/>
+        <a:font script="Knda" typeface="Tunga"/>
+        <a:font script="Guru" typeface="Raavi"/>
+        <a:font script="Cans" typeface="Euphemia"/>
+        <a:font script="Cher" typeface="Plantagenet Cherokee"/>
+        <a:font script="Yiii" typeface="Microsoft Yi Baiti"/>
+        <a:font script="Tibt" typeface="Microsoft Himalaya"/>
+        <a:font script="Thaa" typeface="MV Boli"/>
+        <a:font script="Deva" typeface="Mangal"/>
+        <a:font script="Telu" typeface="Gautami"/>
+        <a:font script="Taml" typeface="Latha"/>
+        <a:font script="Syrc" typeface="Estrangelo Edessa"/>
+        <a:font script="Orya" typeface="Kalinga"/>
+        <a:font script="Mlym" typeface="Kartika"/>
+        <a:font script="Laoo" typeface="DokChampa"/>
+        <a:font script="Sinh" typeface="Iskoola Pota"/>
+        <a:font script="Mong" typeface="Mongolian Baiti"/>
+        <a:font script="Viet" typeface="Times New Roman"/>
+        <a:font script="Uigh" typeface="Microsoft Uighur"/>
+        <a:font script="Geor" typeface="Sylfaen"/>
+        <a:font script="Armn" typeface="Arial"/>
+        <a:font script="Bugi" typeface="Leelawadee UI"/>
+        <a:font script="Bopo" typeface="Microsoft JhengHei"/>
+        <a:font script="Java" typeface="Javanese Text"/>
+        <a:font script="Lisu" typeface="Segoe UI"/>
+        <a:font script="Mymr" typeface="Myanmar Text"/>
+        <a:font script="Nkoo" typeface="Ebrima"/>
+        <a:font script="Olck" typeface="Nirmala UI"/>
+        <a:font script="Osma" typeface="Ebrima"/>
+        <a:font script="Phag" typeface="Phagspa"/>
+        <a:font script="Syrn" typeface="Estrangelo Edessa"/>
+        <a:font script="Syrj" typeface="Estrangelo Edessa"/>
+        <a:font script="Syre" typeface="Estrangelo Edessa"/>
+        <a:font script="Sora" typeface="Nirmala UI"/>
+        <a:font script="Tale" typeface="Microsoft Tai Le"/>
+        <a:font script="Talu" typeface="Microsoft New Tai Lue"/>
+        <a:font script="Tfng" typeface="Ebrima"/>
+      </a:majorFont>
+      <a:minorFont>
+        <a:latin typeface="Aptos" panose="02110004020202020204"/>
+        <a:ea typeface=""/>
+        <a:cs typeface=""/>
+        <a:font script="Jpan" typeface="游ゴシック"/>
+        <a:font script="Hang" typeface="맑은 고딕"/>
+        <a:font script="Hans" typeface="等线"/>
+        <a:font script="Hant" typeface="新細明體"/>
+        <a:font script="Arab" typeface="Arial"/>
+        <a:font script="Hebr" typeface="Arial"/>
+        <a:font script="Thai" typeface="Cordia New"/>
+        <a:font script="Ethi" typeface="Nyala"/>
+        <a:font script="Beng" typeface="Vrinda"/>
+        <a:font script="Gujr" typeface="Shruti"/>
+        <a:font script="Khmr" typeface="DaunPenh"/>
+        <a:font script="Knda" typeface="Tunga"/>
+        <a:font script="Guru" typeface="Raavi"/>
+        <a:font script="Cans" typeface="Euphemia"/>
+        <a:font script="Cher" typeface="Plantagenet Cherokee"/>
+        <a:font script="Yiii" typeface="Microsoft Yi Baiti"/>
+        <a:font script="Tibt" typeface="Microsoft Himalaya"/>
+        <a:font script="Thaa" typeface="MV Boli"/>
+        <a:font script="Deva" typeface="Mangal"/>
+        <a:font script="Telu" typeface="Gautami"/>
+        <a:font script="Taml" typeface="Latha"/>
+        <a:font script="Syrc" typeface="Estrangelo Edessa"/>
+        <a:font script="Orya" typeface="Kalinga"/>
+        <a:font script="Mlym" typeface="Kartika"/>
+        <a:font script="Laoo" typeface="DokChampa"/>
+        <a:font script="Sinh" typeface="Iskoola Pota"/>
+        <a:font script="Mong" typeface="Mongolian Baiti"/>
+        <a:font script="Viet" typeface="Arial"/>
+        <a:font script="Uigh" typeface="Microsoft Uighur"/>
+        <a:font script="Geor" typeface="Sylfaen"/>
+        <a:font script="Armn" typeface="Arial"/>
+        <a:font script="Bugi" typeface="Leelawadee UI"/>
+        <a:font script="Bopo" typeface="Microsoft JhengHei"/>
+        <a:font script="Java" typeface="Javanese Text"/>
+        <a:font script="Lisu" typeface="Segoe UI"/>
+        <a:font script="Mymr" typeface="Myanmar Text"/>
+        <a:font script="Nkoo" typeface="Ebrima"/>
+        <a:font script="Olck" typeface="Nirmala UI"/>
+        <a:font script="Osma" typeface="Ebrima"/>
+        <a:font script="Phag" typeface="Phagspa"/>
+        <a:font script="Syrn" typeface="Estrangelo Edessa"/>
+        <a:font script="Syrj" typeface="Estrangelo Edessa"/>
+        <a:font script="Syre" typeface="Estrangelo Edessa"/>
+        <a:font script="Sora" typeface="Nirmala UI"/>
+        <a:font script="Tale" typeface="Microsoft Tai Le"/>
+        <a:font script="Talu" typeface="Microsoft New Tai Lue"/>
+        <a:font script="Tfng" typeface="Ebrima"/>
+      </a:minorFont>
+    </a:fontScheme>
+    <a:fmtScheme name="Office">
+      <a:fillStyleLst>
+        <a:solidFill>
+          <a:schemeClr val="phClr"/>
+        </a:solidFill>
+        <a:gradFill rotWithShape="1">
+          <a:gsLst>
+            <a:gs pos="0">
+              <a:schemeClr val="phClr">
+                <a:lumMod val="110000"/>
+                <a:satMod val="105000"/>
+                <a:tint val="67000"/>
+              </a:schemeClr>
+            </a:gs>
+            <a:gs pos="50000">
+              <a:schemeClr val="phClr">
+                <a:lumMod val="105000"/>
+                <a:satMod val="103000"/>
+                <a:tint val="73000"/>
+              </a:schemeClr>
+            </a:gs>
+            <a:gs pos="100000">
+              <a:schemeClr val="phClr">
+                <a:lumMod val="105000"/>
+                <a:satMod val="109000"/>
+                <a:tint val="81000"/>
+              </a:schemeClr>
+            </a:gs>
+          </a:gsLst>
+          <a:lin ang="5400000" scaled="0"/>
+        </a:gradFill>
+        <a:gradFill rotWithShape="1">
+          <a:gsLst>
+            <a:gs pos="0">
+              <a:schemeClr val="phClr">
+                <a:satMod val="103000"/>
+                <a:lumMod val="102000"/>
+                <a:tint val="94000"/>
+              </a:schemeClr>
+            </a:gs>
+            <a:gs pos="50000">
+              <a:schemeClr val="phClr">
+                <a:satMod val="110000"/>
+                <a:lumMod val="100000"/>
+                <a:shade val="100000"/>
+              </a:schemeClr>
+            </a:gs>
+            <a:gs pos="100000">
+              <a:schemeClr val="phClr">
+                <a:lumMod val="99000"/>
+                <a:satMod val="120000"/>
+                <a:shade val="78000"/>
+              </a:schemeClr>
+            </a:gs>
+          </a:gsLst>
+          <a:lin ang="5400000" scaled="0"/>
+        </a:gradFill>
+      </a:fillStyleLst>
+      <a:lnStyleLst>
+        <a:ln w="12700" cap="flat" cmpd="sng" algn="ctr">
+          <a:solidFill>
+            <a:schemeClr val="phClr"/>
+          </a:solidFill>
+          <a:prstDash val="solid"/>
+          <a:miter lim="800000"/>
+        </a:ln>
+        <a:ln w="19050" cap="flat" cmpd="sng" algn="ctr">
+          <a:solidFill>
+            <a:schemeClr val="phClr"/>
+          </a:solidFill>
+          <a:prstDash val="solid"/>
+          <a:miter lim="800000"/>
+        </a:ln>
+        <a:ln w="25400" cap="flat" cmpd="sng" algn="ctr">
+          <a:solidFill>
+            <a:schemeClr val="phClr"/>
+          </a:solidFill>
+          <a:prstDash val="solid"/>
+          <a:miter lim="800000"/>
+        </a:ln>
+      </a:lnStyleLst>
+      <a:effectStyleLst>
+        <a:effectStyle>
+          <a:effectLst/>
+        </a:effectStyle>
+        <a:effectStyle>
+          <a:effectLst/>
+        </a:effectStyle>
+        <a:effectStyle>
+          <a:effectLst>
+            <a:outerShdw blurRad="57150" dist="19050" dir="5400000" algn="ctr" rotWithShape="0">
+              <a:srgbClr val="000000">
+                <a:alpha val="63000"/>
+              </a:srgbClr>
+            </a:outerShdw>
+          </a:effectLst>
+        </a:effectStyle>
+      </a:effectStyleLst>
+      <a:bgFillStyleLst>
+        <a:solidFill>
+          <a:schemeClr val="phClr"/>
+        </a:solidFill>
+        <a:solidFill>
+          <a:schemeClr val="phClr">
+            <a:tint val="95000"/>
+            <a:satMod val="170000"/>
+          </a:schemeClr>
+        </a:solidFill>
+        <a:gradFill rotWithShape="1">
+          <a:gsLst>
+            <a:gs pos="0">
+              <a:schemeClr val="phClr">
+                <a:tint val="93000"/>
+                <a:satMod val="150000"/>
+                <a:shade val="98000"/>
+                <a:lumMod val="102000"/>
+              </a:schemeClr>
+            </a:gs>
+            <a:gs pos="50000">
+              <a:schemeClr val="phClr">
+                <a:tint val="98000"/>
+                <a:satMod val="130000"/>
+                <a:shade val="90000"/>
+                <a:lumMod val="103000"/>
+              </a:schemeClr>
+            </a:gs>
+            <a:gs pos="100000">
+              <a:schemeClr val="phClr">
+                <a:shade val="63000"/>
+                <a:satMod val="120000"/>
+              </a:schemeClr>
+            </a:gs>
+          </a:gsLst>
+          <a:lin ang="5400000" scaled="0"/>
+        </a:gradFill>
+      </a:bgFillStyleLst>
+    </a:fmtScheme>
+  </a:themeElements>
+  <a:objectDefaults>
+    <a:lnDef>
+      <a:spPr/>
+      <a:bodyPr/>
+      <a:lstStyle/>
+      <a:style>
+        <a:lnRef idx="2">
+          <a:schemeClr val="accent1"/>
+        </a:lnRef>
+        <a:fillRef idx="0">
+          <a:schemeClr val="accent1"/>
+        </a:fillRef>
+        <a:effectRef idx="1">
+          <a:schemeClr val="accent1"/>
+        </a:effectRef>
+        <a:fontRef idx="minor">
+          <a:schemeClr val="tx1"/>
+        </a:fontRef>
+      </a:style>
+    </a:lnDef>
+  </a:objectDefaults>
+  <a:extraClrSchemeLst/>
+  <a:extLst>
+    <a:ext uri="{05A4C25C-085E-4340-85A3-A5531E510DB2}">
+      <thm15:themeFamily xmlns:thm15="http://schemas.microsoft.com/office/thememl/2012/main" name="Office Theme" id="{2E142A2C-CD16-42D6-873A-C26D2A0506FA}" vid="{1BDDFF52-6CD6-40A5-AB3C-68EB2F1E4D0A}"/>
+    </a:ext>
+  </a:extLst>
+</a:theme>
 </file>